--- a/000_Lecture_Project/week01/01_Lecture/07_Write_Digit.pptx
+++ b/000_Lecture_Project/week01/01_Lecture/07_Write_Digit.pptx
@@ -334,7 +334,7 @@
             <a:pPr algn="r">
               <a:buNone/>
             </a:pPr>
-            <a:fld id="{704B8DDB-1CC0-4793-A90D-BC1856D02569}" type="slidenum">
+            <a:fld id="{5D359D2A-5556-4C27-AEC2-CFFF43194FD7}" type="slidenum">
               <a:rPr b="0" lang="en-US" sz="1400" spc="-1" strike="noStrike">
                 <a:latin typeface="Times New Roman"/>
               </a:rPr>
@@ -382,7 +382,7 @@
         <p:spPr>
           <a:xfrm>
             <a:off x="1143000" y="685800"/>
-            <a:ext cx="4545360" cy="3402360"/>
+            <a:ext cx="4545000" cy="3402000"/>
           </a:xfrm>
           <a:prstGeom prst="rect">
             <a:avLst/>
@@ -405,7 +405,7 @@
         <p:spPr>
           <a:xfrm>
             <a:off x="685800" y="4343400"/>
-            <a:ext cx="5459400" cy="4087800"/>
+            <a:ext cx="5459040" cy="4087440"/>
           </a:xfrm>
           <a:prstGeom prst="rect">
             <a:avLst/>
@@ -439,7 +439,7 @@
         <p:spPr>
           <a:xfrm>
             <a:off x="3884760" y="8685360"/>
-            <a:ext cx="2944800" cy="430200"/>
+            <a:ext cx="2944440" cy="429840"/>
           </a:xfrm>
           <a:prstGeom prst="rect">
             <a:avLst/>
@@ -475,7 +475,7 @@
               </a:lnSpc>
               <a:buNone/>
             </a:pPr>
-            <a:fld id="{41ACCA61-561F-4FB3-9152-2B4A6B63D8B2}" type="slidenum">
+            <a:fld id="{A1B5607D-0080-4AAC-BA26-C24CE71F3A09}" type="slidenum">
               <a:rPr b="0" lang="en-US" sz="1200" spc="-1" strike="noStrike">
                 <a:solidFill>
                   <a:srgbClr val="000000"/>
@@ -526,7 +526,7 @@
         <p:spPr>
           <a:xfrm>
             <a:off x="1143000" y="685800"/>
-            <a:ext cx="4545360" cy="3402360"/>
+            <a:ext cx="4545000" cy="3402000"/>
           </a:xfrm>
           <a:prstGeom prst="rect">
             <a:avLst/>
@@ -549,7 +549,7 @@
         <p:spPr>
           <a:xfrm>
             <a:off x="685800" y="4343400"/>
-            <a:ext cx="5459400" cy="4087800"/>
+            <a:ext cx="5459040" cy="4087440"/>
           </a:xfrm>
           <a:prstGeom prst="rect">
             <a:avLst/>
@@ -583,7 +583,7 @@
         <p:spPr>
           <a:xfrm>
             <a:off x="3884760" y="8685360"/>
-            <a:ext cx="2944800" cy="430200"/>
+            <a:ext cx="2944440" cy="429840"/>
           </a:xfrm>
           <a:prstGeom prst="rect">
             <a:avLst/>
@@ -619,7 +619,7 @@
               </a:lnSpc>
               <a:buNone/>
             </a:pPr>
-            <a:fld id="{E1B701F5-DD2A-4E49-8138-928FA9F4BF0D}" type="slidenum">
+            <a:fld id="{D2D44051-F9CD-41CC-8E58-7EB7B24D7D6B}" type="slidenum">
               <a:rPr b="0" lang="en-US" sz="1200" spc="-1" strike="noStrike">
                 <a:solidFill>
                   <a:srgbClr val="000000"/>
@@ -670,7 +670,7 @@
         <p:spPr>
           <a:xfrm>
             <a:off x="1143000" y="685800"/>
-            <a:ext cx="4545360" cy="3402360"/>
+            <a:ext cx="4545000" cy="3402000"/>
           </a:xfrm>
           <a:prstGeom prst="rect">
             <a:avLst/>
@@ -693,7 +693,7 @@
         <p:spPr>
           <a:xfrm>
             <a:off x="685800" y="4343400"/>
-            <a:ext cx="5459400" cy="4087800"/>
+            <a:ext cx="5459040" cy="4087440"/>
           </a:xfrm>
           <a:prstGeom prst="rect">
             <a:avLst/>
@@ -727,7 +727,7 @@
         <p:spPr>
           <a:xfrm>
             <a:off x="3884760" y="8685360"/>
-            <a:ext cx="2944800" cy="430200"/>
+            <a:ext cx="2944440" cy="429840"/>
           </a:xfrm>
           <a:prstGeom prst="rect">
             <a:avLst/>
@@ -763,7 +763,7 @@
               </a:lnSpc>
               <a:buNone/>
             </a:pPr>
-            <a:fld id="{EAEB5568-8ABE-496E-B848-78504AB8EC4D}" type="slidenum">
+            <a:fld id="{393F31B8-0C71-43F5-AEF9-31494FE7EE30}" type="slidenum">
               <a:rPr b="0" lang="en-US" sz="1200" spc="-1" strike="noStrike">
                 <a:solidFill>
                   <a:srgbClr val="000000"/>
@@ -814,7 +814,7 @@
         <p:spPr>
           <a:xfrm>
             <a:off x="1143000" y="685800"/>
-            <a:ext cx="4545360" cy="3402360"/>
+            <a:ext cx="4545000" cy="3402000"/>
           </a:xfrm>
           <a:prstGeom prst="rect">
             <a:avLst/>
@@ -837,7 +837,7 @@
         <p:spPr>
           <a:xfrm>
             <a:off x="685800" y="4343400"/>
-            <a:ext cx="5459400" cy="4087800"/>
+            <a:ext cx="5459040" cy="4087440"/>
           </a:xfrm>
           <a:prstGeom prst="rect">
             <a:avLst/>
@@ -871,7 +871,7 @@
         <p:spPr>
           <a:xfrm>
             <a:off x="3884760" y="8685360"/>
-            <a:ext cx="2944800" cy="430200"/>
+            <a:ext cx="2944440" cy="429840"/>
           </a:xfrm>
           <a:prstGeom prst="rect">
             <a:avLst/>
@@ -907,7 +907,7 @@
               </a:lnSpc>
               <a:buNone/>
             </a:pPr>
-            <a:fld id="{52BC1A74-91E1-4072-A179-3F69A1BBDFD9}" type="slidenum">
+            <a:fld id="{1840379A-8666-4589-AD98-45FC6C676CF1}" type="slidenum">
               <a:rPr b="0" lang="en-US" sz="1200" spc="-1" strike="noStrike">
                 <a:solidFill>
                   <a:srgbClr val="000000"/>
@@ -958,7 +958,7 @@
         <p:spPr>
           <a:xfrm>
             <a:off x="1143000" y="685800"/>
-            <a:ext cx="4545360" cy="3402360"/>
+            <a:ext cx="4545000" cy="3402000"/>
           </a:xfrm>
           <a:prstGeom prst="rect">
             <a:avLst/>
@@ -981,7 +981,7 @@
         <p:spPr>
           <a:xfrm>
             <a:off x="685800" y="4343400"/>
-            <a:ext cx="5459400" cy="4087800"/>
+            <a:ext cx="5459040" cy="4087440"/>
           </a:xfrm>
           <a:prstGeom prst="rect">
             <a:avLst/>
@@ -1015,7 +1015,7 @@
         <p:spPr>
           <a:xfrm>
             <a:off x="3884760" y="8685360"/>
-            <a:ext cx="2944800" cy="430200"/>
+            <a:ext cx="2944440" cy="429840"/>
           </a:xfrm>
           <a:prstGeom prst="rect">
             <a:avLst/>
@@ -1051,7 +1051,7 @@
               </a:lnSpc>
               <a:buNone/>
             </a:pPr>
-            <a:fld id="{6DBFE1B7-DE69-4CDF-9B04-468D4B8ADD14}" type="slidenum">
+            <a:fld id="{1E3E6679-4E58-4CC9-BAB6-1E5BE79FE06B}" type="slidenum">
               <a:rPr b="0" lang="en-US" sz="1200" spc="-1" strike="noStrike">
                 <a:solidFill>
                   <a:srgbClr val="000000"/>
@@ -1102,7 +1102,7 @@
         <p:spPr>
           <a:xfrm>
             <a:off x="1143000" y="685800"/>
-            <a:ext cx="4545360" cy="3402360"/>
+            <a:ext cx="4545000" cy="3402000"/>
           </a:xfrm>
           <a:prstGeom prst="rect">
             <a:avLst/>
@@ -1125,7 +1125,7 @@
         <p:spPr>
           <a:xfrm>
             <a:off x="685800" y="4343400"/>
-            <a:ext cx="5459400" cy="4087800"/>
+            <a:ext cx="5459040" cy="4087440"/>
           </a:xfrm>
           <a:prstGeom prst="rect">
             <a:avLst/>
@@ -1159,7 +1159,7 @@
         <p:spPr>
           <a:xfrm>
             <a:off x="3884760" y="8685360"/>
-            <a:ext cx="2944800" cy="430200"/>
+            <a:ext cx="2944440" cy="429840"/>
           </a:xfrm>
           <a:prstGeom prst="rect">
             <a:avLst/>
@@ -1195,7 +1195,7 @@
               </a:lnSpc>
               <a:buNone/>
             </a:pPr>
-            <a:fld id="{2A9A3D7D-D1AE-445C-90F6-7D809279BDB4}" type="slidenum">
+            <a:fld id="{6B8E88D3-0A3C-4F12-A90B-8C3DD90056F7}" type="slidenum">
               <a:rPr b="0" lang="en-US" sz="1200" spc="-1" strike="noStrike">
                 <a:solidFill>
                   <a:srgbClr val="000000"/>
@@ -1246,7 +1246,7 @@
         <p:spPr>
           <a:xfrm>
             <a:off x="1143000" y="685800"/>
-            <a:ext cx="4545360" cy="3402360"/>
+            <a:ext cx="4545000" cy="3402000"/>
           </a:xfrm>
           <a:prstGeom prst="rect">
             <a:avLst/>
@@ -1269,7 +1269,7 @@
         <p:spPr>
           <a:xfrm>
             <a:off x="685800" y="4343400"/>
-            <a:ext cx="5459400" cy="4087800"/>
+            <a:ext cx="5459040" cy="4087440"/>
           </a:xfrm>
           <a:prstGeom prst="rect">
             <a:avLst/>
@@ -1303,7 +1303,7 @@
         <p:spPr>
           <a:xfrm>
             <a:off x="3884760" y="8685360"/>
-            <a:ext cx="2944800" cy="430200"/>
+            <a:ext cx="2944440" cy="429840"/>
           </a:xfrm>
           <a:prstGeom prst="rect">
             <a:avLst/>
@@ -1339,7 +1339,7 @@
               </a:lnSpc>
               <a:buNone/>
             </a:pPr>
-            <a:fld id="{2FDC1337-01FE-4A2E-BA10-8175547E2F20}" type="slidenum">
+            <a:fld id="{C6ED5E9C-922C-4CBD-9B51-E917F49CE137}" type="slidenum">
               <a:rPr b="0" lang="en-US" sz="1200" spc="-1" strike="noStrike">
                 <a:solidFill>
                   <a:srgbClr val="000000"/>
@@ -1390,7 +1390,7 @@
         <p:spPr>
           <a:xfrm>
             <a:off x="1143000" y="685800"/>
-            <a:ext cx="4545360" cy="3402360"/>
+            <a:ext cx="4545000" cy="3402000"/>
           </a:xfrm>
           <a:prstGeom prst="rect">
             <a:avLst/>
@@ -1413,7 +1413,7 @@
         <p:spPr>
           <a:xfrm>
             <a:off x="685800" y="4343400"/>
-            <a:ext cx="5459400" cy="4087800"/>
+            <a:ext cx="5459040" cy="4087440"/>
           </a:xfrm>
           <a:prstGeom prst="rect">
             <a:avLst/>
@@ -1447,7 +1447,7 @@
         <p:spPr>
           <a:xfrm>
             <a:off x="3884760" y="8685360"/>
-            <a:ext cx="2944800" cy="430200"/>
+            <a:ext cx="2944440" cy="429840"/>
           </a:xfrm>
           <a:prstGeom prst="rect">
             <a:avLst/>
@@ -1483,7 +1483,7 @@
               </a:lnSpc>
               <a:buNone/>
             </a:pPr>
-            <a:fld id="{5E2B95F8-2D8F-4B5D-A2B7-9C38B729E4E2}" type="slidenum">
+            <a:fld id="{32CDA17E-0E91-416A-AFC3-A17F9C625258}" type="slidenum">
               <a:rPr b="0" lang="en-US" sz="1200" spc="-1" strike="noStrike">
                 <a:solidFill>
                   <a:srgbClr val="000000"/>
@@ -1491,7 +1491,7 @@
                 <a:latin typeface="Times New Roman"/>
                 <a:ea typeface="+mn-ea"/>
               </a:rPr>
-              <a:t>42</a:t>
+              <a:t>&lt;number&gt;</a:t>
             </a:fld>
             <a:endParaRPr b="0" lang="en-US" sz="1200" spc="-1" strike="noStrike">
               <a:latin typeface="Times New Roman"/>
@@ -1534,7 +1534,7 @@
         <p:spPr>
           <a:xfrm>
             <a:off x="1143000" y="685800"/>
-            <a:ext cx="4545360" cy="3402360"/>
+            <a:ext cx="4545000" cy="3402000"/>
           </a:xfrm>
           <a:prstGeom prst="rect">
             <a:avLst/>
@@ -1557,7 +1557,7 @@
         <p:spPr>
           <a:xfrm>
             <a:off x="685800" y="4343400"/>
-            <a:ext cx="5459400" cy="4087800"/>
+            <a:ext cx="5459040" cy="4087440"/>
           </a:xfrm>
           <a:prstGeom prst="rect">
             <a:avLst/>
@@ -1591,7 +1591,7 @@
         <p:spPr>
           <a:xfrm>
             <a:off x="3884760" y="8685360"/>
-            <a:ext cx="2944800" cy="430200"/>
+            <a:ext cx="2944440" cy="429840"/>
           </a:xfrm>
           <a:prstGeom prst="rect">
             <a:avLst/>
@@ -1627,7 +1627,7 @@
               </a:lnSpc>
               <a:buNone/>
             </a:pPr>
-            <a:fld id="{126B0BC3-BA49-4B32-A54E-7C05FB453F79}" type="slidenum">
+            <a:fld id="{2549A8EE-AE69-4DEF-B2C8-96DF35837021}" type="slidenum">
               <a:rPr b="0" lang="en-US" sz="1200" spc="-1" strike="noStrike">
                 <a:solidFill>
                   <a:srgbClr val="000000"/>
@@ -1699,7 +1699,7 @@
         <p:txBody>
           <a:bodyPr/>
           <a:p>
-            <a:fld id="{BF54D2B6-998D-4118-BFCD-C83E20A36AD4}" type="slidenum">
+            <a:fld id="{9FC4FA1A-057E-41C3-AC0F-7BD37752F4AC}" type="slidenum">
               <a:t>&lt;#&gt;</a:t>
             </a:fld>
           </a:p>
@@ -1887,7 +1887,7 @@
         <p:txBody>
           <a:bodyPr/>
           <a:p>
-            <a:fld id="{6EE39FC2-8FD8-4B20-BE1C-67E15361AD41}" type="slidenum">
+            <a:fld id="{3974C728-D768-4338-8FE7-4E7E9910954B}" type="slidenum">
               <a:t>&lt;#&gt;</a:t>
             </a:fld>
           </a:p>
@@ -2143,7 +2143,7 @@
         <p:txBody>
           <a:bodyPr/>
           <a:p>
-            <a:fld id="{4113F876-88A1-4AF4-91CE-0846AD51C817}" type="slidenum">
+            <a:fld id="{DE8871CB-EF5F-49E3-97CE-5C09C7D61233}" type="slidenum">
               <a:t>&lt;#&gt;</a:t>
             </a:fld>
           </a:p>
@@ -2467,7 +2467,7 @@
         <p:txBody>
           <a:bodyPr/>
           <a:p>
-            <a:fld id="{96CBF4B2-BBB1-41E9-8F38-D9D77E2E85CA}" type="slidenum">
+            <a:fld id="{9867BA14-7031-482C-9861-519F6054A7B1}" type="slidenum">
               <a:t>&lt;#&gt;</a:t>
             </a:fld>
           </a:p>
@@ -2550,7 +2550,7 @@
         <p:txBody>
           <a:bodyPr/>
           <a:p>
-            <a:fld id="{9C515457-334D-4AA2-AC90-2B6221C369B3}" type="slidenum">
+            <a:fld id="{85052C40-C4ED-4A5A-A597-A15D16F076FF}" type="slidenum">
               <a:t>&lt;#&gt;</a:t>
             </a:fld>
           </a:p>
@@ -2707,7 +2707,7 @@
         <p:txBody>
           <a:bodyPr/>
           <a:p>
-            <a:fld id="{9178432A-A134-4564-9378-470C42F0E59D}" type="slidenum">
+            <a:fld id="{C9C8A5A3-071B-4015-90C9-607E4589077A}" type="slidenum">
               <a:t>&lt;#&gt;</a:t>
             </a:fld>
           </a:p>
@@ -2861,7 +2861,7 @@
         <p:txBody>
           <a:bodyPr/>
           <a:p>
-            <a:fld id="{A940582B-F6BA-4B6E-8C58-5959E19C2080}" type="slidenum">
+            <a:fld id="{03EE60B7-97BD-41E9-9F7A-359CE297D637}" type="slidenum">
               <a:t>&lt;#&gt;</a:t>
             </a:fld>
           </a:p>
@@ -3049,7 +3049,7 @@
         <p:txBody>
           <a:bodyPr/>
           <a:p>
-            <a:fld id="{62B82DA8-BA74-4965-A49B-2D3E5F50D12C}" type="slidenum">
+            <a:fld id="{3B93E5CE-62BB-44E1-A6DF-9445B59B6D28}" type="slidenum">
               <a:t>&lt;#&gt;</a:t>
             </a:fld>
           </a:p>
@@ -3169,7 +3169,7 @@
         <p:txBody>
           <a:bodyPr/>
           <a:p>
-            <a:fld id="{D076FA83-6260-45AC-AB30-33241377A265}" type="slidenum">
+            <a:fld id="{8007DD1A-9748-44BC-8FB6-5A31752D2868}" type="slidenum">
               <a:t>&lt;#&gt;</a:t>
             </a:fld>
           </a:p>
@@ -3289,7 +3289,7 @@
         <p:txBody>
           <a:bodyPr/>
           <a:p>
-            <a:fld id="{605BAD5F-0ADD-412A-B3DB-793D3315ACC0}" type="slidenum">
+            <a:fld id="{6D2C45A4-FB22-4A4E-9F47-CE340145DFB8}" type="slidenum">
               <a:t>&lt;#&gt;</a:t>
             </a:fld>
           </a:p>
@@ -3511,7 +3511,7 @@
         <p:txBody>
           <a:bodyPr/>
           <a:p>
-            <a:fld id="{42A174A7-7CFC-4ECD-A390-3FD66E2DCC08}" type="slidenum">
+            <a:fld id="{6EF034BE-2B29-4EBA-9BA4-179722AE6F59}" type="slidenum">
               <a:t>&lt;#&gt;</a:t>
             </a:fld>
           </a:p>
@@ -3668,7 +3668,7 @@
         <p:txBody>
           <a:bodyPr/>
           <a:p>
-            <a:fld id="{0CC74909-800B-4E0D-A2D1-3D06C44CC95F}" type="slidenum">
+            <a:fld id="{FAB871B8-7A62-43A5-86E8-0576EFC8D46C}" type="slidenum">
               <a:t>&lt;#&gt;</a:t>
             </a:fld>
           </a:p>
@@ -3890,7 +3890,7 @@
         <p:txBody>
           <a:bodyPr/>
           <a:p>
-            <a:fld id="{548E013C-04BA-4BB7-BFEA-B976DD1D66AD}" type="slidenum">
+            <a:fld id="{C98F04FC-53D3-46C9-9366-76EB1F0C32F6}" type="slidenum">
               <a:t>&lt;#&gt;</a:t>
             </a:fld>
           </a:p>
@@ -4112,7 +4112,7 @@
         <p:txBody>
           <a:bodyPr/>
           <a:p>
-            <a:fld id="{5BA9E5E9-916C-4850-8610-18C83AE09B95}" type="slidenum">
+            <a:fld id="{785CE2E6-D493-4247-8A92-6BE05931C651}" type="slidenum">
               <a:t>&lt;#&gt;</a:t>
             </a:fld>
           </a:p>
@@ -4300,7 +4300,7 @@
         <p:txBody>
           <a:bodyPr/>
           <a:p>
-            <a:fld id="{1E9C5B7C-5BA3-4617-BC59-21D4D2591B4F}" type="slidenum">
+            <a:fld id="{FBE7A308-09A7-40D8-9FE4-DFADA9CD2F19}" type="slidenum">
               <a:t>&lt;#&gt;</a:t>
             </a:fld>
           </a:p>
@@ -4556,7 +4556,7 @@
         <p:txBody>
           <a:bodyPr/>
           <a:p>
-            <a:fld id="{8435F15D-4447-4A52-A152-001250B7E719}" type="slidenum">
+            <a:fld id="{8C88EBC2-4817-4E8B-9F11-4B94BF599DF4}" type="slidenum">
               <a:t>&lt;#&gt;</a:t>
             </a:fld>
           </a:p>
@@ -4880,7 +4880,7 @@
         <p:txBody>
           <a:bodyPr/>
           <a:p>
-            <a:fld id="{EAE5317A-1535-42F3-BA91-5666F5A32D9D}" type="slidenum">
+            <a:fld id="{0C74889B-AAF4-45A9-A7E7-07BD7CD826D0}" type="slidenum">
               <a:t>&lt;#&gt;</a:t>
             </a:fld>
           </a:p>
@@ -5034,7 +5034,7 @@
         <p:txBody>
           <a:bodyPr/>
           <a:p>
-            <a:fld id="{F98081D7-4175-481A-A5E3-7127A6A71A8E}" type="slidenum">
+            <a:fld id="{08DF74B8-640B-48BC-BC05-B8309D6211E8}" type="slidenum">
               <a:t>&lt;#&gt;</a:t>
             </a:fld>
           </a:p>
@@ -5222,7 +5222,7 @@
         <p:txBody>
           <a:bodyPr/>
           <a:p>
-            <a:fld id="{C25CA8CA-7A96-49E3-873D-E7AAB56A8EF6}" type="slidenum">
+            <a:fld id="{5DCD1696-D47B-4892-B94A-8D9FB8E7453D}" type="slidenum">
               <a:t>&lt;#&gt;</a:t>
             </a:fld>
           </a:p>
@@ -5342,7 +5342,7 @@
         <p:txBody>
           <a:bodyPr/>
           <a:p>
-            <a:fld id="{BF00EDDA-99AC-4CB5-8CC0-A5EFD9740F3A}" type="slidenum">
+            <a:fld id="{6FA1C79F-5C8D-4DAA-9F63-E41C6B1AC331}" type="slidenum">
               <a:t>&lt;#&gt;</a:t>
             </a:fld>
           </a:p>
@@ -5462,7 +5462,7 @@
         <p:txBody>
           <a:bodyPr/>
           <a:p>
-            <a:fld id="{BE4F507F-21D3-4ABF-85C9-1D05CF01671F}" type="slidenum">
+            <a:fld id="{1FA103BE-77E1-4317-90B6-A28CD96A12F2}" type="slidenum">
               <a:t>&lt;#&gt;</a:t>
             </a:fld>
           </a:p>
@@ -5684,7 +5684,7 @@
         <p:txBody>
           <a:bodyPr/>
           <a:p>
-            <a:fld id="{B10D86E2-55C8-4675-822E-1C63D17934DB}" type="slidenum">
+            <a:fld id="{13F164B6-CB75-41C9-B5AC-E2D2ACF220BF}" type="slidenum">
               <a:t>&lt;#&gt;</a:t>
             </a:fld>
           </a:p>
@@ -5906,7 +5906,7 @@
         <p:txBody>
           <a:bodyPr/>
           <a:p>
-            <a:fld id="{F8456EE0-D219-4F4B-BC90-E97ABA8CE894}" type="slidenum">
+            <a:fld id="{F80A3AF1-07CC-46B7-B259-A785435D07E6}" type="slidenum">
               <a:t>&lt;#&gt;</a:t>
             </a:fld>
           </a:p>
@@ -6128,7 +6128,7 @@
         <p:txBody>
           <a:bodyPr/>
           <a:p>
-            <a:fld id="{ED1590EA-CBF3-4F49-8954-5ACDA7E5D7DA}" type="slidenum">
+            <a:fld id="{6039F4AC-0DBE-43AB-AA43-FE845733A0E3}" type="slidenum">
               <a:t>&lt;#&gt;</a:t>
             </a:fld>
           </a:p>
@@ -6197,7 +6197,7 @@
         <p:spPr>
           <a:xfrm>
             <a:off x="3124080" y="6356520"/>
-            <a:ext cx="2868480" cy="338040"/>
+            <a:ext cx="2868120" cy="337680"/>
           </a:xfrm>
           <a:prstGeom prst="rect">
             <a:avLst/>
@@ -6241,7 +6241,7 @@
                 <a:latin typeface="Times New Roman"/>
                 <a:ea typeface="DejaVu Sans"/>
               </a:rPr>
-              <a:t> </a:t>
+              <a:t>&lt;footer&gt;</a:t>
             </a:r>
             <a:endParaRPr b="0" lang="en-US" sz="1400" spc="-1" strike="noStrike">
               <a:latin typeface="Times New Roman"/>
@@ -6262,7 +6262,7 @@
         <p:spPr>
           <a:xfrm>
             <a:off x="6553080" y="6356520"/>
-            <a:ext cx="2106720" cy="338040"/>
+            <a:ext cx="2106360" cy="337680"/>
           </a:xfrm>
           <a:prstGeom prst="rect">
             <a:avLst/>
@@ -6298,7 +6298,7 @@
               </a:lnSpc>
               <a:buNone/>
             </a:pPr>
-            <a:fld id="{4CDECBB7-E984-445C-918C-A1042FC98C05}" type="slidenum">
+            <a:fld id="{0FE5362C-C8B9-438C-B0E2-BD880DA3DF06}" type="slidenum">
               <a:rPr b="0" lang="en-US" sz="1200" spc="-1" strike="noStrike">
                 <a:solidFill>
                   <a:srgbClr val="8b8b8b"/>
@@ -6306,7 +6306,7 @@
                 <a:latin typeface="Calibri"/>
                 <a:ea typeface="DejaVu Sans"/>
               </a:rPr>
-              <a:t>41</a:t>
+              <a:t>&lt;number&gt;</a:t>
             </a:fld>
             <a:endParaRPr b="0" lang="en-US" sz="1200" spc="-1" strike="noStrike">
               <a:latin typeface="Times New Roman"/>
@@ -6327,7 +6327,7 @@
         <p:spPr>
           <a:xfrm>
             <a:off x="457200" y="6356520"/>
-            <a:ext cx="2106720" cy="338040"/>
+            <a:ext cx="2106360" cy="337680"/>
           </a:xfrm>
           <a:prstGeom prst="rect">
             <a:avLst/>
@@ -6353,7 +6353,7 @@
               <a:rPr b="0" lang="en-US" sz="1400" spc="-1" strike="noStrike">
                 <a:latin typeface="Times New Roman"/>
               </a:rPr>
-              <a:t>01/25/2024</a:t>
+              <a:t>&lt;date/time&gt;</a:t>
             </a:r>
             <a:endParaRPr b="0" lang="en-US" sz="1400" spc="-1" strike="noStrike">
               <a:latin typeface="Times New Roman"/>
@@ -6644,7 +6644,7 @@
         <p:spPr>
           <a:xfrm>
             <a:off x="3124080" y="6356520"/>
-            <a:ext cx="2868480" cy="338040"/>
+            <a:ext cx="2868120" cy="337680"/>
           </a:xfrm>
           <a:prstGeom prst="rect">
             <a:avLst/>
@@ -6709,7 +6709,7 @@
         <p:spPr>
           <a:xfrm>
             <a:off x="6553080" y="6356520"/>
-            <a:ext cx="2106720" cy="338040"/>
+            <a:ext cx="2106360" cy="337680"/>
           </a:xfrm>
           <a:prstGeom prst="rect">
             <a:avLst/>
@@ -6745,7 +6745,7 @@
               </a:lnSpc>
               <a:buNone/>
             </a:pPr>
-            <a:fld id="{E55E8250-84AE-470E-B72B-CEEAC7B534D0}" type="slidenum">
+            <a:fld id="{4356826A-2BFF-49ED-8475-FE266B131320}" type="slidenum">
               <a:rPr b="0" lang="en-US" sz="1200" spc="-1" strike="noStrike">
                 <a:solidFill>
                   <a:srgbClr val="8b8b8b"/>
@@ -6774,7 +6774,7 @@
         <p:spPr>
           <a:xfrm>
             <a:off x="457200" y="6356520"/>
-            <a:ext cx="2106720" cy="338040"/>
+            <a:ext cx="2106360" cy="337680"/>
           </a:xfrm>
           <a:prstGeom prst="rect">
             <a:avLst/>
@@ -7084,7 +7084,7 @@
         <p:spPr>
           <a:xfrm>
             <a:off x="0" y="2130480"/>
-            <a:ext cx="9136800" cy="1442880"/>
+            <a:ext cx="9136440" cy="1442520"/>
           </a:xfrm>
           <a:prstGeom prst="rect">
             <a:avLst/>
@@ -7136,7 +7136,7 @@
         <p:spPr>
           <a:xfrm>
             <a:off x="1371600" y="4563360"/>
-            <a:ext cx="6373800" cy="667800"/>
+            <a:ext cx="6373440" cy="667440"/>
           </a:xfrm>
           <a:prstGeom prst="rect">
             <a:avLst/>
@@ -7192,7 +7192,7 @@
         <p:spPr>
           <a:xfrm>
             <a:off x="4212000" y="3645000"/>
-            <a:ext cx="914760" cy="885960"/>
+            <a:ext cx="914400" cy="885600"/>
           </a:xfrm>
           <a:prstGeom prst="rect">
             <a:avLst/>
@@ -7216,7 +7216,7 @@
         <p:txBody>
           <a:bodyPr/>
           <a:p>
-            <a:fld id="{E07EE5CF-F6AF-4EDA-B85F-DBA42D543AC0}" type="slidenum">
+            <a:fld id="{79366DD1-5EA8-46E1-B55D-2E4230AB7ADC}" type="slidenum">
               <a:t>1</a:t>
             </a:fld>
           </a:p>
@@ -7236,7 +7236,7 @@
         <p:txBody>
           <a:bodyPr/>
           <a:p>
-            <a:fld id="{1D6FBD69-F46A-415D-BEF1-5E1388279393}" type="datetime1">
+            <a:fld id="{4BBA77E4-2CCA-488D-A8D3-ECDC9D719B26}" type="datetime1">
               <a:rPr lang="en-US"/>
               <a:t>01/25/2024</a:t>
             </a:fld>
@@ -7286,7 +7286,7 @@
         <p:spPr>
           <a:xfrm>
             <a:off x="0" y="0"/>
-            <a:ext cx="9136080" cy="737640"/>
+            <a:ext cx="9135720" cy="737280"/>
           </a:xfrm>
           <a:prstGeom prst="rect">
             <a:avLst/>
@@ -7346,7 +7346,7 @@
         <p:spPr>
           <a:xfrm>
             <a:off x="232200" y="1302120"/>
-            <a:ext cx="8449920" cy="754920"/>
+            <a:ext cx="8449560" cy="754560"/>
           </a:xfrm>
           <a:prstGeom prst="rect">
             <a:avLst/>
@@ -7457,7 +7457,7 @@
         <p:spPr>
           <a:xfrm>
             <a:off x="2880" y="723600"/>
-            <a:ext cx="9133200" cy="333000"/>
+            <a:ext cx="9132840" cy="332640"/>
           </a:xfrm>
           <a:prstGeom prst="rect">
             <a:avLst/>
@@ -7523,7 +7523,7 @@
         <p:spPr>
           <a:xfrm>
             <a:off x="6553080" y="6356520"/>
-            <a:ext cx="2106720" cy="338040"/>
+            <a:ext cx="2106360" cy="337680"/>
           </a:xfrm>
           <a:prstGeom prst="rect">
             <a:avLst/>
@@ -7559,7 +7559,7 @@
               </a:lnSpc>
               <a:buNone/>
             </a:pPr>
-            <a:fld id="{6FED83C6-FA1D-48D2-B495-A606FADE78D1}" type="slidenum">
+            <a:fld id="{69FB7A19-8160-4A15-837A-57A4607E25B3}" type="slidenum">
               <a:rPr b="0" lang="en-US" sz="1200" spc="-1" strike="noStrike">
                 <a:solidFill>
                   <a:srgbClr val="8b8b8b"/>
@@ -7588,7 +7588,7 @@
         <p:spPr>
           <a:xfrm>
             <a:off x="914400" y="2205000"/>
-            <a:ext cx="6512760" cy="3736440"/>
+            <a:ext cx="6512400" cy="3736080"/>
           </a:xfrm>
           <a:prstGeom prst="rect">
             <a:avLst/>
@@ -7614,7 +7614,7 @@
         <p:txBody>
           <a:bodyPr/>
           <a:p>
-            <a:fld id="{5005EB52-DACF-4F78-90E1-B66BAF18FF72}" type="datetime1">
+            <a:fld id="{B6677514-966B-4E5B-99B8-DBB80EACC8DB}" type="datetime1">
               <a:rPr lang="en-US"/>
               <a:t>01/25/2024</a:t>
             </a:fld>
@@ -7664,7 +7664,7 @@
         <p:spPr>
           <a:xfrm>
             <a:off x="0" y="0"/>
-            <a:ext cx="9136080" cy="737640"/>
+            <a:ext cx="9135720" cy="737280"/>
           </a:xfrm>
           <a:prstGeom prst="rect">
             <a:avLst/>
@@ -7724,7 +7724,7 @@
         <p:spPr>
           <a:xfrm>
             <a:off x="232200" y="1302120"/>
-            <a:ext cx="8449920" cy="524520"/>
+            <a:ext cx="8449560" cy="524160"/>
           </a:xfrm>
           <a:prstGeom prst="rect">
             <a:avLst/>
@@ -7807,7 +7807,7 @@
         <p:spPr>
           <a:xfrm>
             <a:off x="2880" y="723600"/>
-            <a:ext cx="9133200" cy="333000"/>
+            <a:ext cx="9132840" cy="332640"/>
           </a:xfrm>
           <a:prstGeom prst="rect">
             <a:avLst/>
@@ -7873,7 +7873,7 @@
         <p:spPr>
           <a:xfrm>
             <a:off x="6553080" y="6356520"/>
-            <a:ext cx="2106720" cy="338040"/>
+            <a:ext cx="2106360" cy="337680"/>
           </a:xfrm>
           <a:prstGeom prst="rect">
             <a:avLst/>
@@ -7909,7 +7909,7 @@
               </a:lnSpc>
               <a:buNone/>
             </a:pPr>
-            <a:fld id="{A2934CF4-E9E4-494F-8C06-B347D5E7C354}" type="slidenum">
+            <a:fld id="{97744363-9355-4852-B3C6-A7D1008D9FE1}" type="slidenum">
               <a:rPr b="0" lang="en-US" sz="1200" spc="-1" strike="noStrike">
                 <a:solidFill>
                   <a:srgbClr val="8b8b8b"/>
@@ -7938,7 +7938,7 @@
         <p:spPr>
           <a:xfrm>
             <a:off x="685800" y="2362680"/>
-            <a:ext cx="7150680" cy="3350160"/>
+            <a:ext cx="7150320" cy="3349800"/>
           </a:xfrm>
           <a:prstGeom prst="rect">
             <a:avLst/>
@@ -7964,7 +7964,7 @@
         <p:txBody>
           <a:bodyPr/>
           <a:p>
-            <a:fld id="{DAF352DE-9100-4DCB-B6AF-F1AFCE4287EB}" type="datetime1">
+            <a:fld id="{416AC5FE-E25A-44A8-B43C-0A62768A0B51}" type="datetime1">
               <a:rPr lang="en-US"/>
               <a:t>01/25/2024</a:t>
             </a:fld>
@@ -8014,7 +8014,7 @@
         <p:spPr>
           <a:xfrm>
             <a:off x="0" y="0"/>
-            <a:ext cx="9136080" cy="737640"/>
+            <a:ext cx="9135720" cy="737280"/>
           </a:xfrm>
           <a:prstGeom prst="rect">
             <a:avLst/>
@@ -8074,7 +8074,7 @@
         <p:spPr>
           <a:xfrm>
             <a:off x="232200" y="1302120"/>
-            <a:ext cx="8449920" cy="524520"/>
+            <a:ext cx="8449560" cy="524160"/>
           </a:xfrm>
           <a:prstGeom prst="rect">
             <a:avLst/>
@@ -8157,7 +8157,7 @@
         <p:spPr>
           <a:xfrm>
             <a:off x="2880" y="723600"/>
-            <a:ext cx="9133200" cy="333000"/>
+            <a:ext cx="9132840" cy="332640"/>
           </a:xfrm>
           <a:prstGeom prst="rect">
             <a:avLst/>
@@ -8223,7 +8223,7 @@
         <p:spPr>
           <a:xfrm>
             <a:off x="6553080" y="6356520"/>
-            <a:ext cx="2106720" cy="338040"/>
+            <a:ext cx="2106360" cy="337680"/>
           </a:xfrm>
           <a:prstGeom prst="rect">
             <a:avLst/>
@@ -8259,7 +8259,7 @@
               </a:lnSpc>
               <a:buNone/>
             </a:pPr>
-            <a:fld id="{17BED33E-0536-4678-BD6F-699622F62E48}" type="slidenum">
+            <a:fld id="{B26B0AA9-A21E-41B6-80FE-F929824DCAAD}" type="slidenum">
               <a:rPr b="0" lang="en-US" sz="1200" spc="-1" strike="noStrike">
                 <a:solidFill>
                   <a:srgbClr val="8b8b8b"/>
@@ -8288,7 +8288,7 @@
         <p:spPr>
           <a:xfrm>
             <a:off x="1457640" y="2286000"/>
-            <a:ext cx="5169600" cy="4026600"/>
+            <a:ext cx="5169240" cy="4026240"/>
           </a:xfrm>
           <a:prstGeom prst="rect">
             <a:avLst/>
@@ -8314,7 +8314,7 @@
         <p:txBody>
           <a:bodyPr/>
           <a:p>
-            <a:fld id="{59E0440F-A63F-44A7-8050-E5B6C946A22E}" type="datetime1">
+            <a:fld id="{865304F6-FAA4-440A-8C9E-006743DDB332}" type="datetime1">
               <a:rPr lang="en-US"/>
               <a:t>01/25/2024</a:t>
             </a:fld>
@@ -8364,7 +8364,7 @@
         <p:spPr>
           <a:xfrm>
             <a:off x="0" y="0"/>
-            <a:ext cx="9136080" cy="737640"/>
+            <a:ext cx="9135720" cy="737280"/>
           </a:xfrm>
           <a:prstGeom prst="rect">
             <a:avLst/>
@@ -8403,27 +8403,7 @@
                 <a:latin typeface="Calibri"/>
                 <a:ea typeface="DejaVu Sans"/>
               </a:rPr>
-              <a:t>007 </a:t>
-            </a:r>
-            <a:r>
-              <a:rPr b="1" lang="en-US" sz="4200" spc="-1" strike="noStrike">
-                <a:solidFill>
-                  <a:srgbClr val="ffff00"/>
-                </a:solidFill>
-                <a:latin typeface="Calibri"/>
-                <a:ea typeface="DejaVu Sans"/>
-              </a:rPr>
-              <a:t>Write </a:t>
-            </a:r>
-            <a:r>
-              <a:rPr b="1" lang="en-US" sz="4200" spc="-1" strike="noStrike">
-                <a:solidFill>
-                  <a:srgbClr val="ffff00"/>
-                </a:solidFill>
-                <a:latin typeface="Calibri"/>
-                <a:ea typeface="DejaVu Sans"/>
-              </a:rPr>
-              <a:t>Digit</a:t>
+              <a:t>007 Write Digit</a:t>
             </a:r>
             <a:endParaRPr b="0" lang="en-US" sz="4200" spc="-1" strike="noStrike">
               <a:latin typeface="Arial"/>
@@ -8444,7 +8424,7 @@
         <p:spPr>
           <a:xfrm>
             <a:off x="232200" y="1302120"/>
-            <a:ext cx="8449920" cy="524520"/>
+            <a:ext cx="8449560" cy="524160"/>
           </a:xfrm>
           <a:prstGeom prst="rect">
             <a:avLst/>
@@ -8482,27 +8462,7 @@
                 <a:latin typeface="Calibri"/>
                 <a:ea typeface="DejaVu Sans"/>
               </a:rPr>
-              <a:t>Hand Write </a:t>
-            </a:r>
-            <a:r>
-              <a:rPr b="1" lang="en-US" sz="1300" spc="-1" strike="noStrike">
-                <a:solidFill>
-                  <a:srgbClr val="000000"/>
-                </a:solidFill>
-                <a:latin typeface="Calibri"/>
-                <a:ea typeface="DejaVu Sans"/>
-              </a:rPr>
-              <a:t>Digit (6:25-</a:t>
-            </a:r>
-            <a:r>
-              <a:rPr b="1" lang="en-US" sz="1300" spc="-1" strike="noStrike">
-                <a:solidFill>
-                  <a:srgbClr val="000000"/>
-                </a:solidFill>
-                <a:latin typeface="Calibri"/>
-                <a:ea typeface="DejaVu Sans"/>
-              </a:rPr>
-              <a:t>6:50/36:38)</a:t>
+              <a:t>Hand Write Digit (6:25-6:50/36:38)</a:t>
             </a:r>
             <a:endParaRPr b="0" lang="en-US" sz="1300" spc="-1" strike="noStrike">
               <a:latin typeface="Arial"/>
@@ -8530,37 +8490,7 @@
                 <a:latin typeface="Calibri"/>
                 <a:ea typeface="DejaVu Sans"/>
               </a:rPr>
-              <a:t>Each pixel is </a:t>
-            </a:r>
-            <a:r>
-              <a:rPr b="0" lang="en-US" sz="1300" spc="-1" strike="noStrike">
-                <a:solidFill>
-                  <a:srgbClr val="000000"/>
-                </a:solidFill>
-                <a:latin typeface="Calibri"/>
-                <a:ea typeface="DejaVu Sans"/>
-              </a:rPr>
-              <a:t>represented </a:t>
-            </a:r>
-            <a:r>
-              <a:rPr b="0" lang="en-US" sz="1300" spc="-1" strike="noStrike">
-                <a:solidFill>
-                  <a:srgbClr val="000000"/>
-                </a:solidFill>
-                <a:latin typeface="Calibri"/>
-                <a:ea typeface="DejaVu Sans"/>
-              </a:rPr>
-              <a:t>between 0 (black) </a:t>
-            </a:r>
-            <a:r>
-              <a:rPr b="0" lang="en-US" sz="1300" spc="-1" strike="noStrike">
-                <a:solidFill>
-                  <a:srgbClr val="000000"/>
-                </a:solidFill>
-                <a:latin typeface="Calibri"/>
-                <a:ea typeface="DejaVu Sans"/>
-              </a:rPr>
-              <a:t>to 255 (white).</a:t>
+              <a:t>Each pixel is represented between 0 (black) to 255 (white).</a:t>
             </a:r>
             <a:endParaRPr b="0" lang="en-US" sz="1300" spc="-1" strike="noStrike">
               <a:latin typeface="Arial"/>
@@ -8577,7 +8507,7 @@
         <p:spPr>
           <a:xfrm>
             <a:off x="2880" y="723600"/>
-            <a:ext cx="9133200" cy="333000"/>
+            <a:ext cx="9132840" cy="332640"/>
           </a:xfrm>
           <a:prstGeom prst="rect">
             <a:avLst/>
@@ -8643,7 +8573,7 @@
         <p:spPr>
           <a:xfrm>
             <a:off x="6553080" y="6356520"/>
-            <a:ext cx="2106720" cy="338040"/>
+            <a:ext cx="2106360" cy="337680"/>
           </a:xfrm>
           <a:prstGeom prst="rect">
             <a:avLst/>
@@ -8679,7 +8609,7 @@
               </a:lnSpc>
               <a:buNone/>
             </a:pPr>
-            <a:fld id="{DF163404-8119-42BD-9780-F251D9363B15}" type="slidenum">
+            <a:fld id="{CEEE4853-FC67-4EBE-9438-7B2EB9D6FF71}" type="slidenum">
               <a:rPr b="0" lang="en-US" sz="1200" spc="-1" strike="noStrike">
                 <a:solidFill>
                   <a:srgbClr val="8b8b8b"/>
@@ -8708,7 +8638,7 @@
         <p:spPr>
           <a:xfrm>
             <a:off x="914400" y="2134080"/>
-            <a:ext cx="6722280" cy="4035960"/>
+            <a:ext cx="6721920" cy="4035600"/>
           </a:xfrm>
           <a:prstGeom prst="rect">
             <a:avLst/>
@@ -8734,7 +8664,7 @@
         <p:txBody>
           <a:bodyPr/>
           <a:p>
-            <a:fld id="{351B13B8-4991-479D-8EC7-5813621943B2}" type="datetime1">
+            <a:fld id="{504B7097-4F20-4083-B47A-9217ABE2D70E}" type="datetime1">
               <a:rPr lang="en-US"/>
               <a:t>01/25/2024</a:t>
             </a:fld>
@@ -8784,7 +8714,7 @@
         <p:spPr>
           <a:xfrm>
             <a:off x="0" y="0"/>
-            <a:ext cx="9136080" cy="737640"/>
+            <a:ext cx="9135720" cy="737280"/>
           </a:xfrm>
           <a:prstGeom prst="rect">
             <a:avLst/>
@@ -8844,7 +8774,7 @@
         <p:spPr>
           <a:xfrm>
             <a:off x="232200" y="1302120"/>
-            <a:ext cx="8449920" cy="753120"/>
+            <a:ext cx="8449560" cy="752760"/>
           </a:xfrm>
           <a:prstGeom prst="rect">
             <a:avLst/>
@@ -8955,7 +8885,7 @@
         <p:spPr>
           <a:xfrm>
             <a:off x="2880" y="723600"/>
-            <a:ext cx="9133200" cy="333000"/>
+            <a:ext cx="9132840" cy="332640"/>
           </a:xfrm>
           <a:prstGeom prst="rect">
             <a:avLst/>
@@ -9021,7 +8951,7 @@
         <p:spPr>
           <a:xfrm>
             <a:off x="6553080" y="6356520"/>
-            <a:ext cx="2106720" cy="338040"/>
+            <a:ext cx="2106360" cy="337680"/>
           </a:xfrm>
           <a:prstGeom prst="rect">
             <a:avLst/>
@@ -9057,7 +8987,7 @@
               </a:lnSpc>
               <a:buNone/>
             </a:pPr>
-            <a:fld id="{F90A5012-6E40-4617-8414-6E466B93BC0E}" type="slidenum">
+            <a:fld id="{58C5C55A-6752-40A0-84A7-978DD19A353E}" type="slidenum">
               <a:rPr b="0" lang="en-US" sz="1200" spc="-1" strike="noStrike">
                 <a:solidFill>
                   <a:srgbClr val="8b8b8b"/>
@@ -9086,7 +9016,7 @@
         <p:spPr>
           <a:xfrm>
             <a:off x="444240" y="2333880"/>
-            <a:ext cx="7554600" cy="4064760"/>
+            <a:ext cx="7554240" cy="4064400"/>
           </a:xfrm>
           <a:prstGeom prst="rect">
             <a:avLst/>
@@ -9112,7 +9042,7 @@
         <p:txBody>
           <a:bodyPr/>
           <a:p>
-            <a:fld id="{4BD79AEA-02D6-4BA8-9E54-3EB5B33C787C}" type="datetime1">
+            <a:fld id="{B9C47CF8-A989-41A5-B6BB-5CC4B6EA4CD9}" type="datetime1">
               <a:rPr lang="en-US"/>
               <a:t>01/25/2024</a:t>
             </a:fld>
@@ -9162,7 +9092,7 @@
         <p:spPr>
           <a:xfrm>
             <a:off x="0" y="0"/>
-            <a:ext cx="9136080" cy="737640"/>
+            <a:ext cx="9135720" cy="737280"/>
           </a:xfrm>
           <a:prstGeom prst="rect">
             <a:avLst/>
@@ -9221,8 +9151,8 @@
         </p:nvSpPr>
         <p:spPr>
           <a:xfrm>
-            <a:off x="232200" y="1302120"/>
-            <a:ext cx="8449920" cy="753120"/>
+            <a:off x="457200" y="1143000"/>
+            <a:ext cx="8449560" cy="752760"/>
           </a:xfrm>
           <a:prstGeom prst="rect">
             <a:avLst/>
@@ -9305,7 +9235,7 @@
         <p:spPr>
           <a:xfrm>
             <a:off x="2880" y="723600"/>
-            <a:ext cx="9133200" cy="333000"/>
+            <a:ext cx="9132840" cy="332640"/>
           </a:xfrm>
           <a:prstGeom prst="rect">
             <a:avLst/>
@@ -9371,7 +9301,7 @@
         <p:spPr>
           <a:xfrm>
             <a:off x="6553080" y="6356520"/>
-            <a:ext cx="2106720" cy="338040"/>
+            <a:ext cx="2106360" cy="337680"/>
           </a:xfrm>
           <a:prstGeom prst="rect">
             <a:avLst/>
@@ -9407,7 +9337,7 @@
               </a:lnSpc>
               <a:buNone/>
             </a:pPr>
-            <a:fld id="{9ED63D87-3166-463A-BAB7-CD49F26F4D03}" type="slidenum">
+            <a:fld id="{06ECC30B-9D59-4295-9B46-95A879C0528E}" type="slidenum">
               <a:rPr b="0" lang="en-US" sz="1200" spc="-1" strike="noStrike">
                 <a:solidFill>
                   <a:srgbClr val="8b8b8b"/>
@@ -9436,7 +9366,7 @@
         <p:spPr>
           <a:xfrm>
             <a:off x="232200" y="2057400"/>
-            <a:ext cx="8522280" cy="4321800"/>
+            <a:ext cx="8521920" cy="4321440"/>
           </a:xfrm>
           <a:prstGeom prst="rect">
             <a:avLst/>
@@ -9462,7 +9392,7 @@
         <p:txBody>
           <a:bodyPr/>
           <a:p>
-            <a:fld id="{E827A226-7F46-4DB8-AC08-B9F5D46C9D20}" type="datetime1">
+            <a:fld id="{B24C4600-6473-4363-AA73-76FA330ACB1B}" type="datetime1">
               <a:rPr lang="en-US"/>
               <a:t>01/25/2024</a:t>
             </a:fld>
@@ -9512,7 +9442,7 @@
         <p:spPr>
           <a:xfrm>
             <a:off x="0" y="2130480"/>
-            <a:ext cx="9136800" cy="1442880"/>
+            <a:ext cx="9136440" cy="1442520"/>
           </a:xfrm>
           <a:prstGeom prst="rect">
             <a:avLst/>
@@ -9564,7 +9494,7 @@
         <p:spPr>
           <a:xfrm>
             <a:off x="4212000" y="3645000"/>
-            <a:ext cx="914760" cy="885960"/>
+            <a:ext cx="914400" cy="885600"/>
           </a:xfrm>
           <a:prstGeom prst="rect">
             <a:avLst/>
@@ -9588,7 +9518,7 @@
         <p:txBody>
           <a:bodyPr/>
           <a:p>
-            <a:fld id="{EE7387E8-6274-4418-8E6E-DBD611D5643C}" type="slidenum">
+            <a:fld id="{238704BA-000F-4262-BAC0-E79DBD0B8372}" type="slidenum">
               <a:t>16</a:t>
             </a:fld>
           </a:p>
@@ -9608,7 +9538,7 @@
         <p:txBody>
           <a:bodyPr/>
           <a:p>
-            <a:fld id="{04F501EC-EA0A-425D-8EAA-8F436F8C1419}" type="datetime1">
+            <a:fld id="{13AD93C8-5D4C-46BF-8635-897F31606355}" type="datetime1">
               <a:rPr lang="en-US"/>
               <a:t>01/25/2024</a:t>
             </a:fld>
@@ -9658,7 +9588,7 @@
         <p:spPr>
           <a:xfrm>
             <a:off x="228600" y="1143000"/>
-            <a:ext cx="8686800" cy="2971800"/>
+            <a:ext cx="8686440" cy="2971440"/>
           </a:xfrm>
           <a:prstGeom prst="rect">
             <a:avLst/>
@@ -9920,7 +9850,7 @@
                 <a:latin typeface="Calibri"/>
                 <a:ea typeface="DejaVu Sans"/>
               </a:rPr>
-              <a:t>1. !pip install tensorflow   # install tensorflow in your OS</a:t>
+              <a:t>1. ! pip install tensorflow     # install tensorflow in your OS (Ubuntu Linux)</a:t>
             </a:r>
             <a:endParaRPr b="0" lang="en-US" sz="1300" spc="-1" strike="noStrike">
               <a:latin typeface="Arial"/>
@@ -9948,7 +9878,7 @@
                 <a:latin typeface="Calibri"/>
                 <a:ea typeface="DejaVu Sans"/>
               </a:rPr>
-              <a:t>2. %pip install tensorflow   # Install tensorflow in “Jupyter notebook” environment only</a:t>
+              <a:t>2. % pip install tensorflow   # Install tensorflow in “Jupyter notebook” environment only</a:t>
             </a:r>
             <a:endParaRPr b="0" lang="en-US" sz="1300" spc="-1" strike="noStrike">
               <a:latin typeface="Arial"/>
@@ -9969,7 +9899,7 @@
         <p:spPr>
           <a:xfrm>
             <a:off x="0" y="0"/>
-            <a:ext cx="9136080" cy="737640"/>
+            <a:ext cx="9135720" cy="737280"/>
           </a:xfrm>
           <a:prstGeom prst="rect">
             <a:avLst/>
@@ -10025,7 +9955,7 @@
         <p:spPr>
           <a:xfrm>
             <a:off x="2880" y="723600"/>
-            <a:ext cx="9133200" cy="333000"/>
+            <a:ext cx="9132840" cy="332640"/>
           </a:xfrm>
           <a:prstGeom prst="rect">
             <a:avLst/>
@@ -10091,7 +10021,7 @@
         <p:spPr>
           <a:xfrm>
             <a:off x="6553080" y="6356520"/>
-            <a:ext cx="2106720" cy="338040"/>
+            <a:ext cx="2106360" cy="337680"/>
           </a:xfrm>
           <a:prstGeom prst="rect">
             <a:avLst/>
@@ -10127,7 +10057,7 @@
               </a:lnSpc>
               <a:buNone/>
             </a:pPr>
-            <a:fld id="{8FE6DF17-3BDF-4ADB-B7A3-2E30177D1FD5}" type="slidenum">
+            <a:fld id="{DD19514B-B9AD-4FA6-AFC6-CC522B84E3E7}" type="slidenum">
               <a:rPr b="0" lang="en-US" sz="1200" spc="-1" strike="noStrike">
                 <a:solidFill>
                   <a:srgbClr val="8b8b8b"/>
@@ -10156,7 +10086,7 @@
         <p:spPr>
           <a:xfrm>
             <a:off x="228600" y="4337280"/>
-            <a:ext cx="8915400" cy="1719720"/>
+            <a:ext cx="8915040" cy="1719360"/>
           </a:xfrm>
           <a:prstGeom prst="rect">
             <a:avLst/>
@@ -10210,7 +10140,7 @@
         <p:txBody>
           <a:bodyPr/>
           <a:p>
-            <a:fld id="{B3C92516-51D3-4489-9D37-B0A712316F44}" type="datetime1">
+            <a:fld id="{A0B23720-AEC8-464B-912E-B8322A71F10F}" type="datetime1">
               <a:rPr lang="en-US"/>
               <a:t>01/25/2024</a:t>
             </a:fld>
@@ -10260,7 +10190,7 @@
         <p:spPr>
           <a:xfrm>
             <a:off x="0" y="0"/>
-            <a:ext cx="9136080" cy="737640"/>
+            <a:ext cx="9135720" cy="737280"/>
           </a:xfrm>
           <a:prstGeom prst="rect">
             <a:avLst/>
@@ -10320,7 +10250,7 @@
         <p:spPr>
           <a:xfrm>
             <a:off x="232200" y="1302120"/>
-            <a:ext cx="8452440" cy="981720"/>
+            <a:ext cx="8452080" cy="981360"/>
           </a:xfrm>
           <a:prstGeom prst="rect">
             <a:avLst/>
@@ -10358,37 +10288,7 @@
                 <a:latin typeface="Calibri"/>
                 <a:ea typeface="DejaVu Sans"/>
               </a:rPr>
-              <a:t>Jupyter </a:t>
-            </a:r>
-            <a:r>
-              <a:rPr b="1" lang="en-US" sz="1300" spc="-1" strike="noStrike">
-                <a:solidFill>
-                  <a:srgbClr val="000000"/>
-                </a:solidFill>
-                <a:latin typeface="Calibri"/>
-                <a:ea typeface="DejaVu Sans"/>
-              </a:rPr>
-              <a:t>Notebook </a:t>
-            </a:r>
-            <a:r>
-              <a:rPr b="1" lang="en-US" sz="1300" spc="-1" strike="noStrike">
-                <a:solidFill>
-                  <a:srgbClr val="000000"/>
-                </a:solidFill>
-                <a:latin typeface="Calibri"/>
-                <a:ea typeface="DejaVu Sans"/>
-              </a:rPr>
-              <a:t>(9:01-</a:t>
-            </a:r>
-            <a:r>
-              <a:rPr b="1" lang="en-US" sz="1300" spc="-1" strike="noStrike">
-                <a:solidFill>
-                  <a:srgbClr val="000000"/>
-                </a:solidFill>
-                <a:latin typeface="Calibri"/>
-                <a:ea typeface="DejaVu Sans"/>
-              </a:rPr>
-              <a:t>9:20/36:38)</a:t>
+              <a:t>Jupyter Notebook (9:01-9:20/36:38)</a:t>
             </a:r>
             <a:endParaRPr b="0" lang="en-US" sz="1300" spc="-1" strike="noStrike">
               <a:latin typeface="Arial"/>
@@ -10416,27 +10316,7 @@
                 <a:latin typeface="Calibri"/>
                 <a:ea typeface="DejaVu Sans"/>
               </a:rPr>
-              <a:t>Print the </a:t>
-            </a:r>
-            <a:r>
-              <a:rPr b="0" lang="en-US" sz="1300" spc="-1" strike="noStrike">
-                <a:solidFill>
-                  <a:srgbClr val="000000"/>
-                </a:solidFill>
-                <a:latin typeface="Calibri"/>
-                <a:ea typeface="DejaVu Sans"/>
-              </a:rPr>
-              <a:t>tensorflow </a:t>
-            </a:r>
-            <a:r>
-              <a:rPr b="0" lang="en-US" sz="1300" spc="-1" strike="noStrike">
-                <a:solidFill>
-                  <a:srgbClr val="000000"/>
-                </a:solidFill>
-                <a:latin typeface="Calibri"/>
-                <a:ea typeface="DejaVu Sans"/>
-              </a:rPr>
-              <a:t>version.</a:t>
+              <a:t>Print the tensorflow version.</a:t>
             </a:r>
             <a:endParaRPr b="0" lang="en-US" sz="1300" spc="-1" strike="noStrike">
               <a:latin typeface="Arial"/>
@@ -10453,7 +10333,7 @@
         <p:spPr>
           <a:xfrm>
             <a:off x="2880" y="723600"/>
-            <a:ext cx="9133200" cy="333000"/>
+            <a:ext cx="9132840" cy="332640"/>
           </a:xfrm>
           <a:prstGeom prst="rect">
             <a:avLst/>
@@ -10519,7 +10399,7 @@
         <p:spPr>
           <a:xfrm>
             <a:off x="6553080" y="6356520"/>
-            <a:ext cx="2106720" cy="338040"/>
+            <a:ext cx="2106360" cy="337680"/>
           </a:xfrm>
           <a:prstGeom prst="rect">
             <a:avLst/>
@@ -10555,7 +10435,7 @@
               </a:lnSpc>
               <a:buNone/>
             </a:pPr>
-            <a:fld id="{1B35C1DC-00D2-4069-BA07-B8B8889DDA08}" type="slidenum">
+            <a:fld id="{37E554E9-3476-4867-8C54-8F8E17FAE722}" type="slidenum">
               <a:rPr b="0" lang="en-US" sz="1200" spc="-1" strike="noStrike">
                 <a:solidFill>
                   <a:srgbClr val="8b8b8b"/>
@@ -10584,7 +10464,7 @@
         <p:spPr>
           <a:xfrm>
             <a:off x="228600" y="3080880"/>
-            <a:ext cx="8915400" cy="1719720"/>
+            <a:ext cx="8915040" cy="1719360"/>
           </a:xfrm>
           <a:prstGeom prst="rect">
             <a:avLst/>
@@ -10638,7 +10518,7 @@
         <p:txBody>
           <a:bodyPr/>
           <a:p>
-            <a:fld id="{AD75F0D3-9009-4EB1-8C34-F6867F121AC2}" type="datetime1">
+            <a:fld id="{4597EE90-CD9C-406B-A42F-758D7C1D331F}" type="datetime1">
               <a:rPr lang="en-US"/>
               <a:t>01/25/2024</a:t>
             </a:fld>
@@ -10688,7 +10568,7 @@
         <p:spPr>
           <a:xfrm>
             <a:off x="0" y="0"/>
-            <a:ext cx="9136080" cy="737640"/>
+            <a:ext cx="9135720" cy="737280"/>
           </a:xfrm>
           <a:prstGeom prst="rect">
             <a:avLst/>
@@ -10748,7 +10628,7 @@
         <p:spPr>
           <a:xfrm>
             <a:off x="232200" y="1302120"/>
-            <a:ext cx="8452440" cy="755280"/>
+            <a:ext cx="8452080" cy="754920"/>
           </a:xfrm>
           <a:prstGeom prst="rect">
             <a:avLst/>
@@ -10859,7 +10739,7 @@
         <p:spPr>
           <a:xfrm>
             <a:off x="2880" y="723600"/>
-            <a:ext cx="9133200" cy="333000"/>
+            <a:ext cx="9132840" cy="332640"/>
           </a:xfrm>
           <a:prstGeom prst="rect">
             <a:avLst/>
@@ -10925,7 +10805,7 @@
         <p:spPr>
           <a:xfrm>
             <a:off x="6553080" y="6356520"/>
-            <a:ext cx="2106720" cy="338040"/>
+            <a:ext cx="2106360" cy="337680"/>
           </a:xfrm>
           <a:prstGeom prst="rect">
             <a:avLst/>
@@ -10961,7 +10841,7 @@
               </a:lnSpc>
               <a:buNone/>
             </a:pPr>
-            <a:fld id="{B7566430-B6A4-43DD-AAF5-920F586E9D04}" type="slidenum">
+            <a:fld id="{9F3BC067-4B8B-4F2E-A7F3-C8E0BD23B696}" type="slidenum">
               <a:rPr b="0" lang="en-US" sz="1200" spc="-1" strike="noStrike">
                 <a:solidFill>
                   <a:srgbClr val="8b8b8b"/>
@@ -10990,7 +10870,7 @@
         <p:spPr>
           <a:xfrm>
             <a:off x="883080" y="2403720"/>
-            <a:ext cx="5495400" cy="2076120"/>
+            <a:ext cx="5495040" cy="2075760"/>
           </a:xfrm>
           <a:prstGeom prst="rect">
             <a:avLst/>
@@ -11016,7 +10896,7 @@
         <p:txBody>
           <a:bodyPr/>
           <a:p>
-            <a:fld id="{EAB9727B-A35C-48E2-B7F1-5EC8B5912B59}" type="datetime1">
+            <a:fld id="{9D9EBE42-DB56-4E08-B147-167059653EEB}" type="datetime1">
               <a:rPr lang="en-US"/>
               <a:t>01/25/2024</a:t>
             </a:fld>
@@ -11066,7 +10946,7 @@
         <p:spPr>
           <a:xfrm>
             <a:off x="0" y="0"/>
-            <a:ext cx="9136080" cy="737640"/>
+            <a:ext cx="9135720" cy="737280"/>
           </a:xfrm>
           <a:prstGeom prst="rect">
             <a:avLst/>
@@ -11126,7 +11006,7 @@
         <p:spPr>
           <a:xfrm>
             <a:off x="232200" y="1302120"/>
-            <a:ext cx="8449920" cy="983520"/>
+            <a:ext cx="8449560" cy="983160"/>
           </a:xfrm>
           <a:prstGeom prst="rect">
             <a:avLst/>
@@ -11237,7 +11117,7 @@
         <p:spPr>
           <a:xfrm>
             <a:off x="2880" y="723600"/>
-            <a:ext cx="9133200" cy="333000"/>
+            <a:ext cx="9132840" cy="332640"/>
           </a:xfrm>
           <a:prstGeom prst="rect">
             <a:avLst/>
@@ -11303,7 +11183,7 @@
         <p:spPr>
           <a:xfrm>
             <a:off x="6553080" y="6356520"/>
-            <a:ext cx="2106720" cy="338040"/>
+            <a:ext cx="2106360" cy="337680"/>
           </a:xfrm>
           <a:prstGeom prst="rect">
             <a:avLst/>
@@ -11339,7 +11219,7 @@
               </a:lnSpc>
               <a:buNone/>
             </a:pPr>
-            <a:fld id="{59606E82-1452-46BF-B0E7-6A6E1DBD76C0}" type="slidenum">
+            <a:fld id="{F6ED55D4-68E7-4C13-A811-7ABF65719E3B}" type="slidenum">
               <a:rPr b="0" lang="en-US" sz="1200" spc="-1" strike="noStrike">
                 <a:solidFill>
                   <a:srgbClr val="8b8b8b"/>
@@ -11368,7 +11248,7 @@
         <p:spPr>
           <a:xfrm>
             <a:off x="1554840" y="2743200"/>
-            <a:ext cx="6217200" cy="3826440"/>
+            <a:ext cx="6216840" cy="3826080"/>
           </a:xfrm>
           <a:prstGeom prst="rect">
             <a:avLst/>
@@ -11394,7 +11274,7 @@
         <p:txBody>
           <a:bodyPr/>
           <a:p>
-            <a:fld id="{6E0C81E8-C534-454C-88F8-33640AD65116}" type="datetime1">
+            <a:fld id="{A3985E44-2AFC-4E83-9F46-5595059EACEA}" type="datetime1">
               <a:rPr lang="en-US"/>
               <a:t>01/25/2024</a:t>
             </a:fld>
@@ -11444,7 +11324,7 @@
         <p:spPr>
           <a:xfrm>
             <a:off x="0" y="0"/>
-            <a:ext cx="9136080" cy="737640"/>
+            <a:ext cx="9135720" cy="737280"/>
           </a:xfrm>
           <a:prstGeom prst="rect">
             <a:avLst/>
@@ -11504,7 +11384,7 @@
         <p:spPr>
           <a:xfrm>
             <a:off x="232200" y="1302120"/>
-            <a:ext cx="8452440" cy="755280"/>
+            <a:ext cx="8452080" cy="754920"/>
           </a:xfrm>
           <a:prstGeom prst="rect">
             <a:avLst/>
@@ -11615,7 +11495,7 @@
         <p:spPr>
           <a:xfrm>
             <a:off x="2880" y="723600"/>
-            <a:ext cx="9133200" cy="333000"/>
+            <a:ext cx="9132840" cy="332640"/>
           </a:xfrm>
           <a:prstGeom prst="rect">
             <a:avLst/>
@@ -11681,7 +11561,7 @@
         <p:spPr>
           <a:xfrm>
             <a:off x="6553080" y="6356520"/>
-            <a:ext cx="2106720" cy="338040"/>
+            <a:ext cx="2106360" cy="337680"/>
           </a:xfrm>
           <a:prstGeom prst="rect">
             <a:avLst/>
@@ -11717,7 +11597,7 @@
               </a:lnSpc>
               <a:buNone/>
             </a:pPr>
-            <a:fld id="{D58FDB2A-35EA-4079-AD44-50A3B3CE9261}" type="slidenum">
+            <a:fld id="{1DF89AE0-7ADD-4BED-A054-B6CCE4F597A7}" type="slidenum">
               <a:rPr b="0" lang="en-US" sz="1200" spc="-1" strike="noStrike">
                 <a:solidFill>
                   <a:srgbClr val="8b8b8b"/>
@@ -11746,7 +11626,7 @@
         <p:spPr>
           <a:xfrm>
             <a:off x="1134000" y="2410200"/>
-            <a:ext cx="5952600" cy="3304800"/>
+            <a:ext cx="5952240" cy="3304440"/>
           </a:xfrm>
           <a:prstGeom prst="rect">
             <a:avLst/>
@@ -11772,7 +11652,7 @@
         <p:txBody>
           <a:bodyPr/>
           <a:p>
-            <a:fld id="{F9055A73-3F21-46C0-908F-66DFE9237F4E}" type="datetime1">
+            <a:fld id="{8B3DA7D1-F3A5-4DD8-AFC6-1FE580C7536E}" type="datetime1">
               <a:rPr lang="en-US"/>
               <a:t>01/25/2024</a:t>
             </a:fld>
@@ -11822,7 +11702,7 @@
         <p:spPr>
           <a:xfrm>
             <a:off x="0" y="0"/>
-            <a:ext cx="9136080" cy="737640"/>
+            <a:ext cx="9135720" cy="737280"/>
           </a:xfrm>
           <a:prstGeom prst="rect">
             <a:avLst/>
@@ -11882,7 +11762,7 @@
         <p:spPr>
           <a:xfrm>
             <a:off x="232200" y="1302120"/>
-            <a:ext cx="8452440" cy="525240"/>
+            <a:ext cx="8452080" cy="524880"/>
           </a:xfrm>
           <a:prstGeom prst="rect">
             <a:avLst/>
@@ -11965,7 +11845,7 @@
         <p:spPr>
           <a:xfrm>
             <a:off x="2880" y="723600"/>
-            <a:ext cx="9133200" cy="333000"/>
+            <a:ext cx="9132840" cy="332640"/>
           </a:xfrm>
           <a:prstGeom prst="rect">
             <a:avLst/>
@@ -12031,7 +11911,7 @@
         <p:spPr>
           <a:xfrm>
             <a:off x="6553080" y="6356520"/>
-            <a:ext cx="2106720" cy="338040"/>
+            <a:ext cx="2106360" cy="337680"/>
           </a:xfrm>
           <a:prstGeom prst="rect">
             <a:avLst/>
@@ -12067,7 +11947,7 @@
               </a:lnSpc>
               <a:buNone/>
             </a:pPr>
-            <a:fld id="{920449E5-F0F9-4329-AB87-DBE0B6E150B3}" type="slidenum">
+            <a:fld id="{2C10B1E5-193C-4CC8-871A-B0F8DED96D6E}" type="slidenum">
               <a:rPr b="0" lang="en-US" sz="1200" spc="-1" strike="noStrike">
                 <a:solidFill>
                   <a:srgbClr val="8b8b8b"/>
@@ -12096,7 +11976,7 @@
         <p:spPr>
           <a:xfrm>
             <a:off x="2219760" y="2286000"/>
-            <a:ext cx="3495240" cy="3914280"/>
+            <a:ext cx="3494880" cy="3913920"/>
           </a:xfrm>
           <a:prstGeom prst="rect">
             <a:avLst/>
@@ -12122,7 +12002,7 @@
         <p:txBody>
           <a:bodyPr/>
           <a:p>
-            <a:fld id="{9E4564E3-C1D6-4DBE-A76F-1FC95EC23225}" type="datetime1">
+            <a:fld id="{C74C5671-E79C-4108-9EEE-1A86AED42909}" type="datetime1">
               <a:rPr lang="en-US"/>
               <a:t>01/25/2024</a:t>
             </a:fld>
@@ -12172,7 +12052,7 @@
         <p:spPr>
           <a:xfrm>
             <a:off x="0" y="0"/>
-            <a:ext cx="9136080" cy="737640"/>
+            <a:ext cx="9135720" cy="737280"/>
           </a:xfrm>
           <a:prstGeom prst="rect">
             <a:avLst/>
@@ -12232,7 +12112,7 @@
         <p:spPr>
           <a:xfrm>
             <a:off x="232200" y="1302120"/>
-            <a:ext cx="8452440" cy="983880"/>
+            <a:ext cx="8452080" cy="983520"/>
           </a:xfrm>
           <a:prstGeom prst="rect">
             <a:avLst/>
@@ -12371,7 +12251,7 @@
         <p:spPr>
           <a:xfrm>
             <a:off x="2880" y="723600"/>
-            <a:ext cx="9133200" cy="333000"/>
+            <a:ext cx="9132840" cy="332640"/>
           </a:xfrm>
           <a:prstGeom prst="rect">
             <a:avLst/>
@@ -12437,7 +12317,7 @@
         <p:spPr>
           <a:xfrm>
             <a:off x="6553080" y="6356520"/>
-            <a:ext cx="2106720" cy="338040"/>
+            <a:ext cx="2106360" cy="337680"/>
           </a:xfrm>
           <a:prstGeom prst="rect">
             <a:avLst/>
@@ -12473,7 +12353,7 @@
               </a:lnSpc>
               <a:buNone/>
             </a:pPr>
-            <a:fld id="{4009F5F5-2598-454C-B175-88E16B0398BA}" type="slidenum">
+            <a:fld id="{451DFF28-D353-427B-A530-635965DA9B04}" type="slidenum">
               <a:rPr b="0" lang="en-US" sz="1200" spc="-1" strike="noStrike">
                 <a:solidFill>
                   <a:srgbClr val="8b8b8b"/>
@@ -12502,7 +12382,7 @@
         <p:spPr>
           <a:xfrm>
             <a:off x="1209960" y="2514600"/>
-            <a:ext cx="5190840" cy="3885840"/>
+            <a:ext cx="5190480" cy="3885480"/>
           </a:xfrm>
           <a:prstGeom prst="rect">
             <a:avLst/>
@@ -12528,7 +12408,7 @@
         <p:txBody>
           <a:bodyPr/>
           <a:p>
-            <a:fld id="{FC73AB2E-E91C-4DEC-B86B-52180E0C28A9}" type="datetime1">
+            <a:fld id="{C1E9D874-6692-41D8-A7BA-416187651797}" type="datetime1">
               <a:rPr lang="en-US"/>
               <a:t>01/25/2024</a:t>
             </a:fld>
@@ -12578,7 +12458,7 @@
         <p:spPr>
           <a:xfrm>
             <a:off x="0" y="2130480"/>
-            <a:ext cx="9136800" cy="1442880"/>
+            <a:ext cx="9136440" cy="1442520"/>
           </a:xfrm>
           <a:prstGeom prst="rect">
             <a:avLst/>
@@ -12630,7 +12510,7 @@
         <p:spPr>
           <a:xfrm>
             <a:off x="4212000" y="3645000"/>
-            <a:ext cx="914760" cy="885960"/>
+            <a:ext cx="914400" cy="885600"/>
           </a:xfrm>
           <a:prstGeom prst="rect">
             <a:avLst/>
@@ -12654,7 +12534,7 @@
         <p:txBody>
           <a:bodyPr/>
           <a:p>
-            <a:fld id="{02D65689-BC14-442F-B25A-8638EE5A3EF0}" type="slidenum">
+            <a:fld id="{39F23938-FA53-4C01-A18C-03521FBF8A8C}" type="slidenum">
               <a:t>23</a:t>
             </a:fld>
           </a:p>
@@ -12674,7 +12554,7 @@
         <p:txBody>
           <a:bodyPr/>
           <a:p>
-            <a:fld id="{A7248DEB-DB23-4637-B6BB-7C18205D9A0B}" type="datetime1">
+            <a:fld id="{FB50071C-6701-4541-8A89-62A56B6CC36D}" type="datetime1">
               <a:rPr lang="en-US"/>
               <a:t>01/25/2024</a:t>
             </a:fld>
@@ -12724,7 +12604,7 @@
         <p:spPr>
           <a:xfrm>
             <a:off x="0" y="0"/>
-            <a:ext cx="9136080" cy="737640"/>
+            <a:ext cx="9135720" cy="737280"/>
           </a:xfrm>
           <a:prstGeom prst="rect">
             <a:avLst/>
@@ -12784,7 +12664,7 @@
         <p:spPr>
           <a:xfrm>
             <a:off x="232200" y="1302120"/>
-            <a:ext cx="8452440" cy="686880"/>
+            <a:ext cx="8452080" cy="686520"/>
           </a:xfrm>
           <a:prstGeom prst="rect">
             <a:avLst/>
@@ -12867,7 +12747,7 @@
         <p:spPr>
           <a:xfrm>
             <a:off x="2880" y="723600"/>
-            <a:ext cx="9133200" cy="333000"/>
+            <a:ext cx="9132840" cy="332640"/>
           </a:xfrm>
           <a:prstGeom prst="rect">
             <a:avLst/>
@@ -12933,7 +12813,7 @@
         <p:spPr>
           <a:xfrm>
             <a:off x="6553080" y="6356520"/>
-            <a:ext cx="2106720" cy="338040"/>
+            <a:ext cx="2106360" cy="337680"/>
           </a:xfrm>
           <a:prstGeom prst="rect">
             <a:avLst/>
@@ -12969,7 +12849,7 @@
               </a:lnSpc>
               <a:buNone/>
             </a:pPr>
-            <a:fld id="{05A629FA-03E8-4223-8CE0-E9A6CA985E11}" type="slidenum">
+            <a:fld id="{4B997865-F7E4-4958-B190-D508EF0D29FD}" type="slidenum">
               <a:rPr b="0" lang="en-US" sz="1200" spc="-1" strike="noStrike">
                 <a:solidFill>
                   <a:srgbClr val="8b8b8b"/>
@@ -12998,7 +12878,7 @@
         <p:spPr>
           <a:xfrm>
             <a:off x="228600" y="2451240"/>
-            <a:ext cx="4182840" cy="2120760"/>
+            <a:ext cx="4182480" cy="2120400"/>
           </a:xfrm>
           <a:prstGeom prst="rect">
             <a:avLst/>
@@ -13023,7 +12903,7 @@
         <p:spPr>
           <a:xfrm>
             <a:off x="4114800" y="2534040"/>
-            <a:ext cx="5266800" cy="3866760"/>
+            <a:ext cx="5266440" cy="3866400"/>
           </a:xfrm>
           <a:prstGeom prst="rect">
             <a:avLst/>
@@ -13077,7 +12957,7 @@
         <p:txBody>
           <a:bodyPr/>
           <a:p>
-            <a:fld id="{37967581-7EAF-498D-BD67-AEDC506A8B91}" type="datetime1">
+            <a:fld id="{92674F75-A842-425F-8460-97962CAD61EF}" type="datetime1">
               <a:rPr lang="en-US"/>
               <a:t>01/25/2024</a:t>
             </a:fld>
@@ -13127,7 +13007,7 @@
         <p:spPr>
           <a:xfrm>
             <a:off x="0" y="0"/>
-            <a:ext cx="9136080" cy="737640"/>
+            <a:ext cx="9135720" cy="737280"/>
           </a:xfrm>
           <a:prstGeom prst="rect">
             <a:avLst/>
@@ -13187,7 +13067,7 @@
         <p:spPr>
           <a:xfrm>
             <a:off x="232200" y="1302120"/>
-            <a:ext cx="8452440" cy="1896480"/>
+            <a:ext cx="8452080" cy="1896120"/>
           </a:xfrm>
           <a:prstGeom prst="rect">
             <a:avLst/>
@@ -13225,27 +13105,7 @@
                 <a:latin typeface="Calibri"/>
                 <a:ea typeface="DejaVu Sans"/>
               </a:rPr>
-              <a:t>Train Model </a:t>
-            </a:r>
-            <a:r>
-              <a:rPr b="1" lang="en-US" sz="1300" spc="-1" strike="noStrike">
-                <a:solidFill>
-                  <a:srgbClr val="000000"/>
-                </a:solidFill>
-                <a:latin typeface="Calibri"/>
-                <a:ea typeface="DejaVu Sans"/>
-              </a:rPr>
-              <a:t>(15:30-</a:t>
-            </a:r>
-            <a:r>
-              <a:rPr b="1" lang="en-US" sz="1300" spc="-1" strike="noStrike">
-                <a:solidFill>
-                  <a:srgbClr val="000000"/>
-                </a:solidFill>
-                <a:latin typeface="Calibri"/>
-                <a:ea typeface="DejaVu Sans"/>
-              </a:rPr>
-              <a:t>23:50/36:38)</a:t>
+              <a:t>Train Model (15:30-23:50/36:38)</a:t>
             </a:r>
             <a:endParaRPr b="0" lang="en-US" sz="1300" spc="-1" strike="noStrike">
               <a:latin typeface="Arial"/>
@@ -13273,67 +13133,7 @@
                 <a:latin typeface="Calibri"/>
                 <a:ea typeface="DejaVu Sans"/>
               </a:rPr>
-              <a:t>Our output = 10 </a:t>
-            </a:r>
-            <a:r>
-              <a:rPr b="0" lang="en-US" sz="1300" spc="-1" strike="noStrike">
-                <a:solidFill>
-                  <a:srgbClr val="000000"/>
-                </a:solidFill>
-                <a:latin typeface="Calibri"/>
-                <a:ea typeface="DejaVu Sans"/>
-              </a:rPr>
-              <a:t>categories, </a:t>
-            </a:r>
-            <a:r>
-              <a:rPr b="0" lang="en-US" sz="1300" spc="-1" strike="noStrike">
-                <a:solidFill>
-                  <a:srgbClr val="000000"/>
-                </a:solidFill>
-                <a:latin typeface="Calibri"/>
-                <a:ea typeface="DejaVu Sans"/>
-              </a:rPr>
-              <a:t>input_shape = </a:t>
-            </a:r>
-            <a:r>
-              <a:rPr b="0" lang="en-US" sz="1300" spc="-1" strike="noStrike">
-                <a:solidFill>
-                  <a:srgbClr val="000000"/>
-                </a:solidFill>
-                <a:latin typeface="Calibri"/>
-                <a:ea typeface="DejaVu Sans"/>
-              </a:rPr>
-              <a:t>(28 * 28 = 784, ), </a:t>
-            </a:r>
-            <a:r>
-              <a:rPr b="0" lang="en-US" sz="1300" spc="-1" strike="noStrike">
-                <a:solidFill>
-                  <a:srgbClr val="000000"/>
-                </a:solidFill>
-                <a:latin typeface="Calibri"/>
-                <a:ea typeface="DejaVu Sans"/>
-              </a:rPr>
-              <a:t>activation </a:t>
-            </a:r>
-            <a:r>
-              <a:rPr b="0" lang="en-US" sz="1300" spc="-1" strike="noStrike">
-                <a:solidFill>
-                  <a:srgbClr val="000000"/>
-                </a:solidFill>
-                <a:latin typeface="Calibri"/>
-                <a:ea typeface="DejaVu Sans"/>
-              </a:rPr>
-              <a:t>function = </a:t>
-            </a:r>
-            <a:r>
-              <a:rPr b="0" lang="en-US" sz="1300" spc="-1" strike="noStrike">
-                <a:solidFill>
-                  <a:srgbClr val="000000"/>
-                </a:solidFill>
-                <a:latin typeface="Calibri"/>
-                <a:ea typeface="DejaVu Sans"/>
-              </a:rPr>
-              <a:t>‘sigmoid’.</a:t>
+              <a:t>Our output = 10 categories, input_shape = (28 * 28 = 784, ), activation function = ‘sigmoid’.</a:t>
             </a:r>
             <a:endParaRPr b="0" lang="en-US" sz="1300" spc="-1" strike="noStrike">
               <a:latin typeface="Arial"/>
@@ -13361,77 +13161,7 @@
                 <a:latin typeface="Calibri"/>
                 <a:ea typeface="DejaVu Sans"/>
               </a:rPr>
-              <a:t>Optimizer = </a:t>
-            </a:r>
-            <a:r>
-              <a:rPr b="0" lang="en-US" sz="1300" spc="-1" strike="noStrike">
-                <a:solidFill>
-                  <a:srgbClr val="000000"/>
-                </a:solidFill>
-                <a:latin typeface="Calibri"/>
-                <a:ea typeface="DejaVu Sans"/>
-              </a:rPr>
-              <a:t>‘adam’, loss </a:t>
-            </a:r>
-            <a:r>
-              <a:rPr b="0" lang="en-US" sz="1300" spc="-1" strike="noStrike">
-                <a:solidFill>
-                  <a:srgbClr val="000000"/>
-                </a:solidFill>
-                <a:latin typeface="Calibri"/>
-                <a:ea typeface="DejaVu Sans"/>
-              </a:rPr>
-              <a:t>function is </a:t>
-            </a:r>
-            <a:r>
-              <a:rPr b="0" lang="en-US" sz="1300" spc="-1" strike="noStrike">
-                <a:solidFill>
-                  <a:srgbClr val="000000"/>
-                </a:solidFill>
-                <a:latin typeface="Calibri"/>
-                <a:ea typeface="DejaVu Sans"/>
-              </a:rPr>
-              <a:t>“categorical_cros</a:t>
-            </a:r>
-            <a:r>
-              <a:rPr b="0" lang="en-US" sz="1300" spc="-1" strike="noStrike">
-                <a:solidFill>
-                  <a:srgbClr val="000000"/>
-                </a:solidFill>
-                <a:latin typeface="Calibri"/>
-                <a:ea typeface="DejaVu Sans"/>
-              </a:rPr>
-              <a:t>sentropy”, </a:t>
-            </a:r>
-            <a:r>
-              <a:rPr b="0" lang="en-US" sz="1300" spc="-1" strike="noStrike">
-                <a:solidFill>
-                  <a:srgbClr val="000000"/>
-                </a:solidFill>
-                <a:latin typeface="Calibri"/>
-                <a:ea typeface="DejaVu Sans"/>
-              </a:rPr>
-              <a:t>metrics is </a:t>
-            </a:r>
-            <a:r>
-              <a:rPr b="0" lang="en-US" sz="1300" spc="-1" strike="noStrike">
-                <a:solidFill>
-                  <a:srgbClr val="000000"/>
-                </a:solidFill>
-                <a:latin typeface="Calibri"/>
-                <a:ea typeface="DejaVu Sans"/>
-              </a:rPr>
-              <a:t>“accuracy” </a:t>
-            </a:r>
-            <a:r>
-              <a:rPr b="0" lang="en-US" sz="1300" spc="-1" strike="noStrike">
-                <a:solidFill>
-                  <a:srgbClr val="000000"/>
-                </a:solidFill>
-                <a:latin typeface="Calibri"/>
-                <a:ea typeface="DejaVu Sans"/>
-              </a:rPr>
-              <a:t>measurement.</a:t>
+              <a:t>Optimizer = ‘adam’, loss function is “categorical_crossentropy”, metrics is “accuracy” measurement.</a:t>
             </a:r>
             <a:endParaRPr b="0" lang="en-US" sz="1300" spc="-1" strike="noStrike">
               <a:latin typeface="Arial"/>
@@ -13459,37 +13189,7 @@
                 <a:latin typeface="Calibri"/>
                 <a:ea typeface="DejaVu Sans"/>
               </a:rPr>
-              <a:t>Model fit X_train </a:t>
-            </a:r>
-            <a:r>
-              <a:rPr b="0" lang="en-US" sz="1300" spc="-1" strike="noStrike">
-                <a:solidFill>
-                  <a:srgbClr val="000000"/>
-                </a:solidFill>
-                <a:latin typeface="Calibri"/>
-                <a:ea typeface="DejaVu Sans"/>
-              </a:rPr>
-              <a:t>flattened data </a:t>
-            </a:r>
-            <a:r>
-              <a:rPr b="0" lang="en-US" sz="1300" spc="-1" strike="noStrike">
-                <a:solidFill>
-                  <a:srgbClr val="000000"/>
-                </a:solidFill>
-                <a:latin typeface="Calibri"/>
-                <a:ea typeface="DejaVu Sans"/>
-              </a:rPr>
-              <a:t>and y_train. The </a:t>
-            </a:r>
-            <a:r>
-              <a:rPr b="0" lang="en-US" sz="1300" spc="-1" strike="noStrike">
-                <a:solidFill>
-                  <a:srgbClr val="000000"/>
-                </a:solidFill>
-                <a:latin typeface="Calibri"/>
-                <a:ea typeface="DejaVu Sans"/>
-              </a:rPr>
-              <a:t>run epochs = 5.</a:t>
+              <a:t>Model fit X_train flattened data and y_train. The run epochs = 5.</a:t>
             </a:r>
             <a:endParaRPr b="0" lang="en-US" sz="1300" spc="-1" strike="noStrike">
               <a:latin typeface="Arial"/>
@@ -13517,7 +13217,17 @@
                 <a:latin typeface="Calibri"/>
                 <a:ea typeface="DejaVu Sans"/>
               </a:rPr>
-              <a:t>What is </a:t>
+              <a:t>What is difference between Epoch (</a:t>
+            </a:r>
+            <a:r>
+              <a:rPr b="0" lang="zh-CN" sz="1300" spc="-1" strike="noStrike">
+                <a:solidFill>
+                  <a:srgbClr val="000000"/>
+                </a:solidFill>
+                <a:latin typeface="Calibri"/>
+                <a:ea typeface="DejaVu Sans"/>
+              </a:rPr>
+              <a:t>时代</a:t>
             </a:r>
             <a:r>
               <a:rPr b="0" lang="en-US" sz="1300" spc="-1" strike="noStrike">
@@ -13527,57 +13237,7 @@
                 <a:latin typeface="Calibri"/>
                 <a:ea typeface="DejaVu Sans"/>
               </a:rPr>
-              <a:t>difference </a:t>
-            </a:r>
-            <a:r>
-              <a:rPr b="0" lang="en-US" sz="1300" spc="-1" strike="noStrike">
-                <a:solidFill>
-                  <a:srgbClr val="000000"/>
-                </a:solidFill>
-                <a:latin typeface="Calibri"/>
-                <a:ea typeface="DejaVu Sans"/>
-              </a:rPr>
-              <a:t>between Epoch </a:t>
-            </a:r>
-            <a:r>
-              <a:rPr b="0" lang="en-US" sz="1300" spc="-1" strike="noStrike">
-                <a:solidFill>
-                  <a:srgbClr val="000000"/>
-                </a:solidFill>
-                <a:latin typeface="Calibri"/>
-                <a:ea typeface="DejaVu Sans"/>
-              </a:rPr>
-              <a:t>(</a:t>
-            </a:r>
-            <a:r>
-              <a:rPr b="0" lang="zh-CN" sz="1300" spc="-1" strike="noStrike">
-                <a:solidFill>
-                  <a:srgbClr val="000000"/>
-                </a:solidFill>
-                <a:latin typeface="Calibri"/>
-                <a:ea typeface="DejaVu Sans"/>
-              </a:rPr>
-              <a:t>时代</a:t>
-            </a:r>
-            <a:r>
-              <a:rPr b="0" lang="en-US" sz="1300" spc="-1" strike="noStrike">
-                <a:solidFill>
-                  <a:srgbClr val="000000"/>
-                </a:solidFill>
-                <a:latin typeface="Calibri"/>
-                <a:ea typeface="DejaVu Sans"/>
-              </a:rPr>
-              <a:t>)and </a:t>
-            </a:r>
-            <a:r>
-              <a:rPr b="0" lang="en-US" sz="1300" spc="-1" strike="noStrike">
-                <a:solidFill>
-                  <a:srgbClr val="000000"/>
-                </a:solidFill>
-                <a:latin typeface="Calibri"/>
-                <a:ea typeface="DejaVu Sans"/>
-              </a:rPr>
-              <a:t>Episode (</a:t>
+              <a:t>)and Episode (</a:t>
             </a:r>
             <a:r>
               <a:rPr b="0" lang="zh-CN" sz="1300" spc="-1" strike="noStrike">
@@ -13625,47 +13285,7 @@
                 <a:latin typeface="Calibri"/>
                 <a:ea typeface="DejaVu Sans"/>
               </a:rPr>
-              <a:t>In machine </a:t>
-            </a:r>
-            <a:r>
-              <a:rPr b="0" lang="en-US" sz="1300" spc="-1" strike="noStrike">
-                <a:solidFill>
-                  <a:srgbClr val="000000"/>
-                </a:solidFill>
-                <a:latin typeface="Calibri"/>
-                <a:ea typeface="DejaVu Sans"/>
-              </a:rPr>
-              <a:t>learning or deep </a:t>
-            </a:r>
-            <a:r>
-              <a:rPr b="0" lang="en-US" sz="1300" spc="-1" strike="noStrike">
-                <a:solidFill>
-                  <a:srgbClr val="000000"/>
-                </a:solidFill>
-                <a:latin typeface="Calibri"/>
-                <a:ea typeface="DejaVu Sans"/>
-              </a:rPr>
-              <a:t>learning, we use </a:t>
-            </a:r>
-            <a:r>
-              <a:rPr b="0" lang="en-US" sz="1300" spc="-1" strike="noStrike">
-                <a:solidFill>
-                  <a:srgbClr val="000000"/>
-                </a:solidFill>
-                <a:latin typeface="Calibri"/>
-                <a:ea typeface="DejaVu Sans"/>
-              </a:rPr>
-              <a:t>epoch for training </a:t>
-            </a:r>
-            <a:r>
-              <a:rPr b="0" lang="en-US" sz="1300" spc="-1" strike="noStrike">
-                <a:solidFill>
-                  <a:srgbClr val="000000"/>
-                </a:solidFill>
-                <a:latin typeface="Calibri"/>
-                <a:ea typeface="DejaVu Sans"/>
-              </a:rPr>
-              <a:t>a single task.</a:t>
+              <a:t>In machine learning or deep learning, we use epoch for training a single task.</a:t>
             </a:r>
             <a:endParaRPr b="0" lang="en-US" sz="1300" spc="-1" strike="noStrike">
               <a:latin typeface="Arial"/>
@@ -13693,47 +13313,7 @@
                 <a:latin typeface="Calibri"/>
                 <a:ea typeface="DejaVu Sans"/>
               </a:rPr>
-              <a:t>In reinforcement </a:t>
-            </a:r>
-            <a:r>
-              <a:rPr b="0" lang="en-US" sz="1300" spc="-1" strike="noStrike">
-                <a:solidFill>
-                  <a:srgbClr val="000000"/>
-                </a:solidFill>
-                <a:latin typeface="Calibri"/>
-                <a:ea typeface="DejaVu Sans"/>
-              </a:rPr>
-              <a:t>learning or game, </a:t>
-            </a:r>
-            <a:r>
-              <a:rPr b="0" lang="en-US" sz="1300" spc="-1" strike="noStrike">
-                <a:solidFill>
-                  <a:srgbClr val="000000"/>
-                </a:solidFill>
-                <a:latin typeface="Calibri"/>
-                <a:ea typeface="DejaVu Sans"/>
-              </a:rPr>
-              <a:t>we use episode  </a:t>
-            </a:r>
-            <a:r>
-              <a:rPr b="0" lang="en-US" sz="1300" spc="-1" strike="noStrike">
-                <a:solidFill>
-                  <a:srgbClr val="000000"/>
-                </a:solidFill>
-                <a:latin typeface="Calibri"/>
-                <a:ea typeface="DejaVu Sans"/>
-              </a:rPr>
-              <a:t>when game is </a:t>
-            </a:r>
-            <a:r>
-              <a:rPr b="0" lang="en-US" sz="1300" spc="-1" strike="noStrike">
-                <a:solidFill>
-                  <a:srgbClr val="000000"/>
-                </a:solidFill>
-                <a:latin typeface="Calibri"/>
-                <a:ea typeface="DejaVu Sans"/>
-              </a:rPr>
-              <a:t>over.</a:t>
+              <a:t>In reinforcement learning or game, we use episode  when game is over.</a:t>
             </a:r>
             <a:endParaRPr b="0" lang="en-US" sz="1300" spc="-1" strike="noStrike">
               <a:latin typeface="Arial"/>
@@ -13750,7 +13330,7 @@
         <p:spPr>
           <a:xfrm>
             <a:off x="2880" y="723600"/>
-            <a:ext cx="9133200" cy="333000"/>
+            <a:ext cx="9132840" cy="332640"/>
           </a:xfrm>
           <a:prstGeom prst="rect">
             <a:avLst/>
@@ -13816,7 +13396,7 @@
         <p:spPr>
           <a:xfrm>
             <a:off x="6553080" y="6356520"/>
-            <a:ext cx="2106720" cy="338040"/>
+            <a:ext cx="2106360" cy="337680"/>
           </a:xfrm>
           <a:prstGeom prst="rect">
             <a:avLst/>
@@ -13852,7 +13432,7 @@
               </a:lnSpc>
               <a:buNone/>
             </a:pPr>
-            <a:fld id="{E3CDC36E-FC03-4417-822B-8AD7C8C2E386}" type="slidenum">
+            <a:fld id="{23108BF2-7AB9-4777-8CAC-DAE4BFFD4060}" type="slidenum">
               <a:rPr b="0" lang="en-US" sz="1200" spc="-1" strike="noStrike">
                 <a:solidFill>
                   <a:srgbClr val="8b8b8b"/>
@@ -13881,7 +13461,7 @@
         <p:spPr>
           <a:xfrm>
             <a:off x="228600" y="3363840"/>
-            <a:ext cx="4182840" cy="2120760"/>
+            <a:ext cx="4182480" cy="2120400"/>
           </a:xfrm>
           <a:prstGeom prst="rect">
             <a:avLst/>
@@ -13906,7 +13486,7 @@
         <p:spPr>
           <a:xfrm>
             <a:off x="3039840" y="3886200"/>
-            <a:ext cx="6561360" cy="3738960"/>
+            <a:ext cx="6561000" cy="3738600"/>
           </a:xfrm>
           <a:prstGeom prst="rect">
             <a:avLst/>
@@ -13932,7 +13512,7 @@
         <p:txBody>
           <a:bodyPr/>
           <a:p>
-            <a:fld id="{848379A4-C08A-4C50-8730-181229B2BE39}" type="datetime1">
+            <a:fld id="{5CC291B4-6104-496B-B722-64E230C78CA3}" type="datetime1">
               <a:rPr lang="en-US"/>
               <a:t>01/25/2024</a:t>
             </a:fld>
@@ -13982,7 +13562,7 @@
         <p:spPr>
           <a:xfrm>
             <a:off x="0" y="2130480"/>
-            <a:ext cx="9136800" cy="1442880"/>
+            <a:ext cx="9136440" cy="1442520"/>
           </a:xfrm>
           <a:prstGeom prst="rect">
             <a:avLst/>
@@ -14034,7 +13614,7 @@
         <p:spPr>
           <a:xfrm>
             <a:off x="4212000" y="3645000"/>
-            <a:ext cx="914760" cy="885960"/>
+            <a:ext cx="914400" cy="885600"/>
           </a:xfrm>
           <a:prstGeom prst="rect">
             <a:avLst/>
@@ -14058,7 +13638,7 @@
         <p:txBody>
           <a:bodyPr/>
           <a:p>
-            <a:fld id="{64F9E9B6-1633-47C0-B75C-92917D3E4AE3}" type="slidenum">
+            <a:fld id="{322E3CAE-7F90-4A14-A4DD-6776C75AB14B}" type="slidenum">
               <a:t>26</a:t>
             </a:fld>
           </a:p>
@@ -14078,7 +13658,7 @@
         <p:txBody>
           <a:bodyPr/>
           <a:p>
-            <a:fld id="{64BF1865-5DE3-41C5-8AE7-AD9BFABF4250}" type="datetime1">
+            <a:fld id="{02140EE7-2C97-4D03-99DE-F4F38D019C02}" type="datetime1">
               <a:rPr lang="en-US"/>
               <a:t>01/25/2024</a:t>
             </a:fld>
@@ -14128,7 +13708,7 @@
         <p:spPr>
           <a:xfrm>
             <a:off x="0" y="0"/>
-            <a:ext cx="9136080" cy="737640"/>
+            <a:ext cx="9135720" cy="737280"/>
           </a:xfrm>
           <a:prstGeom prst="rect">
             <a:avLst/>
@@ -14188,7 +13768,7 @@
         <p:spPr>
           <a:xfrm>
             <a:off x="232200" y="1302120"/>
-            <a:ext cx="8452440" cy="983160"/>
+            <a:ext cx="8452080" cy="982800"/>
           </a:xfrm>
           <a:prstGeom prst="rect">
             <a:avLst/>
@@ -14327,7 +13907,7 @@
         <p:spPr>
           <a:xfrm>
             <a:off x="2880" y="723600"/>
-            <a:ext cx="9133200" cy="333000"/>
+            <a:ext cx="9132840" cy="332640"/>
           </a:xfrm>
           <a:prstGeom prst="rect">
             <a:avLst/>
@@ -14393,7 +13973,7 @@
         <p:spPr>
           <a:xfrm>
             <a:off x="6553080" y="6356520"/>
-            <a:ext cx="2106720" cy="338040"/>
+            <a:ext cx="2106360" cy="337680"/>
           </a:xfrm>
           <a:prstGeom prst="rect">
             <a:avLst/>
@@ -14429,7 +14009,7 @@
               </a:lnSpc>
               <a:buNone/>
             </a:pPr>
-            <a:fld id="{FC956F9D-71B3-4F02-AF24-E097BF86C589}" type="slidenum">
+            <a:fld id="{32BCF558-54AB-49A2-B50D-4BE57698FC35}" type="slidenum">
               <a:rPr b="0" lang="en-US" sz="1200" spc="-1" strike="noStrike">
                 <a:solidFill>
                   <a:srgbClr val="8b8b8b"/>
@@ -14458,7 +14038,7 @@
         <p:spPr>
           <a:xfrm>
             <a:off x="914400" y="2514600"/>
-            <a:ext cx="6752880" cy="914040"/>
+            <a:ext cx="6752520" cy="913680"/>
           </a:xfrm>
           <a:prstGeom prst="rect">
             <a:avLst/>
@@ -14483,7 +14063,7 @@
         <p:spPr>
           <a:xfrm>
             <a:off x="914400" y="3657600"/>
-            <a:ext cx="5086080" cy="1247400"/>
+            <a:ext cx="5085720" cy="1247040"/>
           </a:xfrm>
           <a:prstGeom prst="rect">
             <a:avLst/>
@@ -14509,7 +14089,7 @@
         <p:txBody>
           <a:bodyPr/>
           <a:p>
-            <a:fld id="{CFA95A72-F508-4E73-BFA0-D80E874AE8B9}" type="datetime1">
+            <a:fld id="{4BF18DE6-D4E6-4849-A1BA-CBD0B39BF441}" type="datetime1">
               <a:rPr lang="en-US"/>
               <a:t>01/25/2024</a:t>
             </a:fld>
@@ -14559,7 +14139,7 @@
         <p:spPr>
           <a:xfrm>
             <a:off x="0" y="2130480"/>
-            <a:ext cx="9136800" cy="1442880"/>
+            <a:ext cx="9136440" cy="1442520"/>
           </a:xfrm>
           <a:prstGeom prst="rect">
             <a:avLst/>
@@ -14611,7 +14191,7 @@
         <p:spPr>
           <a:xfrm>
             <a:off x="4212000" y="3645000"/>
-            <a:ext cx="914760" cy="885960"/>
+            <a:ext cx="914400" cy="885600"/>
           </a:xfrm>
           <a:prstGeom prst="rect">
             <a:avLst/>
@@ -14635,7 +14215,7 @@
         <p:txBody>
           <a:bodyPr/>
           <a:p>
-            <a:fld id="{FAC52E18-3BEA-4B28-AA53-83E380C1DE12}" type="slidenum">
+            <a:fld id="{85E39CBB-B0FE-4E43-9FC1-A9440D1D2054}" type="slidenum">
               <a:t>28</a:t>
             </a:fld>
           </a:p>
@@ -14655,7 +14235,7 @@
         <p:txBody>
           <a:bodyPr/>
           <a:p>
-            <a:fld id="{F57567DA-F200-4F21-9E95-08F0D98BF58E}" type="datetime1">
+            <a:fld id="{FC6FCFBD-F7B6-47E6-9FBC-693D783DCB24}" type="datetime1">
               <a:rPr lang="en-US"/>
               <a:t>01/25/2024</a:t>
             </a:fld>
@@ -14705,7 +14285,7 @@
         <p:spPr>
           <a:xfrm>
             <a:off x="0" y="0"/>
-            <a:ext cx="9136080" cy="737640"/>
+            <a:ext cx="9135720" cy="737280"/>
           </a:xfrm>
           <a:prstGeom prst="rect">
             <a:avLst/>
@@ -14765,7 +14345,7 @@
         <p:spPr>
           <a:xfrm>
             <a:off x="232200" y="1302120"/>
-            <a:ext cx="8452440" cy="1441080"/>
+            <a:ext cx="8452080" cy="1440720"/>
           </a:xfrm>
           <a:prstGeom prst="rect">
             <a:avLst/>
@@ -14946,7 +14526,7 @@
         <p:spPr>
           <a:xfrm>
             <a:off x="2880" y="723600"/>
-            <a:ext cx="9133200" cy="333000"/>
+            <a:ext cx="9132840" cy="332640"/>
           </a:xfrm>
           <a:prstGeom prst="rect">
             <a:avLst/>
@@ -15012,7 +14592,7 @@
         <p:spPr>
           <a:xfrm>
             <a:off x="6553080" y="6356520"/>
-            <a:ext cx="2106720" cy="338040"/>
+            <a:ext cx="2106360" cy="337680"/>
           </a:xfrm>
           <a:prstGeom prst="rect">
             <a:avLst/>
@@ -15048,7 +14628,7 @@
               </a:lnSpc>
               <a:buNone/>
             </a:pPr>
-            <a:fld id="{4C9B0DDF-EB4C-4937-A4C4-46D31DA9D029}" type="slidenum">
+            <a:fld id="{115D09A0-C723-40FD-BA25-B739F8BE788C}" type="slidenum">
               <a:rPr b="0" lang="en-US" sz="1200" spc="-1" strike="noStrike">
                 <a:solidFill>
                   <a:srgbClr val="8b8b8b"/>
@@ -15077,7 +14657,7 @@
         <p:spPr>
           <a:xfrm>
             <a:off x="486000" y="2857680"/>
-            <a:ext cx="3857400" cy="3771720"/>
+            <a:ext cx="3857040" cy="3771360"/>
           </a:xfrm>
           <a:prstGeom prst="rect">
             <a:avLst/>
@@ -15102,7 +14682,7 @@
         <p:spPr>
           <a:xfrm>
             <a:off x="4505760" y="2971800"/>
-            <a:ext cx="4409640" cy="1923840"/>
+            <a:ext cx="4409280" cy="1923480"/>
           </a:xfrm>
           <a:prstGeom prst="rect">
             <a:avLst/>
@@ -15128,7 +14708,7 @@
         <p:txBody>
           <a:bodyPr/>
           <a:p>
-            <a:fld id="{33DAEFB7-5EBA-4C77-A5B2-489FF0285B39}" type="datetime1">
+            <a:fld id="{341E32ED-4BBF-4C64-9784-4A061D19267F}" type="datetime1">
               <a:rPr lang="en-US"/>
               <a:t>01/25/2024</a:t>
             </a:fld>
@@ -15178,7 +14758,7 @@
         <p:spPr>
           <a:xfrm>
             <a:off x="0" y="0"/>
-            <a:ext cx="9136080" cy="737640"/>
+            <a:ext cx="9135720" cy="737280"/>
           </a:xfrm>
           <a:prstGeom prst="rect">
             <a:avLst/>
@@ -15238,7 +14818,7 @@
         <p:spPr>
           <a:xfrm>
             <a:off x="232200" y="1302120"/>
-            <a:ext cx="8449920" cy="981720"/>
+            <a:ext cx="8449560" cy="981360"/>
           </a:xfrm>
           <a:prstGeom prst="rect">
             <a:avLst/>
@@ -15377,7 +14957,7 @@
         <p:spPr>
           <a:xfrm>
             <a:off x="2880" y="723600"/>
-            <a:ext cx="9133200" cy="333000"/>
+            <a:ext cx="9132840" cy="332640"/>
           </a:xfrm>
           <a:prstGeom prst="rect">
             <a:avLst/>
@@ -15443,7 +15023,7 @@
         <p:spPr>
           <a:xfrm>
             <a:off x="6553080" y="6356520"/>
-            <a:ext cx="2106720" cy="338040"/>
+            <a:ext cx="2106360" cy="337680"/>
           </a:xfrm>
           <a:prstGeom prst="rect">
             <a:avLst/>
@@ -15479,7 +15059,7 @@
               </a:lnSpc>
               <a:buNone/>
             </a:pPr>
-            <a:fld id="{C3CBD2B0-4733-44C3-B5CC-5B38B2A1A381}" type="slidenum">
+            <a:fld id="{FD51FC1F-7CE2-4DA6-91EA-B243B08ABB5B}" type="slidenum">
               <a:rPr b="0" lang="en-US" sz="1200" spc="-1" strike="noStrike">
                 <a:solidFill>
                   <a:srgbClr val="8b8b8b"/>
@@ -15508,7 +15088,7 @@
         <p:spPr>
           <a:xfrm>
             <a:off x="2057400" y="2819880"/>
-            <a:ext cx="4674240" cy="2435760"/>
+            <a:ext cx="4673880" cy="2435400"/>
           </a:xfrm>
           <a:prstGeom prst="rect">
             <a:avLst/>
@@ -15534,7 +15114,7 @@
         <p:txBody>
           <a:bodyPr/>
           <a:p>
-            <a:fld id="{45FF206A-6964-4438-9243-D24F8E6A1EF6}" type="datetime1">
+            <a:fld id="{E51C2343-A005-431C-8C5A-8B56DF9ECD5A}" type="datetime1">
               <a:rPr lang="en-US"/>
               <a:t>01/25/2024</a:t>
             </a:fld>
@@ -15584,7 +15164,7 @@
         <p:spPr>
           <a:xfrm>
             <a:off x="0" y="2130480"/>
-            <a:ext cx="9136800" cy="1442880"/>
+            <a:ext cx="9136440" cy="1442520"/>
           </a:xfrm>
           <a:prstGeom prst="rect">
             <a:avLst/>
@@ -15615,37 +15195,7 @@
                 <a:latin typeface="Calibri"/>
                 <a:ea typeface="DejaVu Sans"/>
               </a:rPr>
-              <a:t>007.6 </a:t>
-            </a:r>
-            <a:r>
-              <a:rPr b="1" lang="en-US" sz="4200" spc="-1" strike="noStrike">
-                <a:solidFill>
-                  <a:srgbClr val="ffff00"/>
-                </a:solidFill>
-                <a:latin typeface="Calibri"/>
-                <a:ea typeface="DejaVu Sans"/>
-              </a:rPr>
-              <a:t>Seabo</a:t>
-            </a:r>
-            <a:r>
-              <a:rPr b="1" lang="en-US" sz="4200" spc="-1" strike="noStrike">
-                <a:solidFill>
-                  <a:srgbClr val="ffff00"/>
-                </a:solidFill>
-                <a:latin typeface="Calibri"/>
-                <a:ea typeface="DejaVu Sans"/>
-              </a:rPr>
-              <a:t>rn </a:t>
-            </a:r>
-            <a:r>
-              <a:rPr b="1" lang="en-US" sz="4200" spc="-1" strike="noStrike">
-                <a:solidFill>
-                  <a:srgbClr val="ffff00"/>
-                </a:solidFill>
-                <a:latin typeface="Calibri"/>
-                <a:ea typeface="DejaVu Sans"/>
-              </a:rPr>
-              <a:t>Plot</a:t>
+              <a:t>007.6 Seaborn Plot</a:t>
             </a:r>
             <a:endParaRPr b="0" lang="en-US" sz="4200" spc="-1" strike="noStrike">
               <a:latin typeface="Arial"/>
@@ -15666,7 +15216,7 @@
         <p:spPr>
           <a:xfrm>
             <a:off x="4212000" y="3645000"/>
-            <a:ext cx="914760" cy="885960"/>
+            <a:ext cx="914400" cy="885600"/>
           </a:xfrm>
           <a:prstGeom prst="rect">
             <a:avLst/>
@@ -15690,7 +15240,7 @@
         <p:txBody>
           <a:bodyPr/>
           <a:p>
-            <a:fld id="{BABE5453-C050-47FE-A1DD-D881068ABCEE}" type="slidenum">
+            <a:fld id="{96270097-0E43-4ECC-AAB0-D2C9D46DFEE9}" type="slidenum">
               <a:t>30</a:t>
             </a:fld>
           </a:p>
@@ -15710,7 +15260,7 @@
         <p:txBody>
           <a:bodyPr/>
           <a:p>
-            <a:fld id="{628306A4-586B-4750-B36F-7A3DE6164E2C}" type="datetime1">
+            <a:fld id="{02F2E849-3BB6-41B7-A9BB-C59CAB28547F}" type="datetime1">
               <a:rPr lang="en-US"/>
               <a:t>01/25/2024</a:t>
             </a:fld>
@@ -15760,7 +15310,7 @@
         <p:spPr>
           <a:xfrm>
             <a:off x="0" y="0"/>
-            <a:ext cx="9136080" cy="737640"/>
+            <a:ext cx="9135720" cy="737280"/>
           </a:xfrm>
           <a:prstGeom prst="rect">
             <a:avLst/>
@@ -15820,7 +15370,7 @@
         <p:spPr>
           <a:xfrm>
             <a:off x="232200" y="1302120"/>
-            <a:ext cx="8452440" cy="526680"/>
+            <a:ext cx="8452080" cy="526320"/>
           </a:xfrm>
           <a:prstGeom prst="rect">
             <a:avLst/>
@@ -15903,7 +15453,7 @@
         <p:spPr>
           <a:xfrm>
             <a:off x="2880" y="723600"/>
-            <a:ext cx="9133200" cy="333000"/>
+            <a:ext cx="9132840" cy="332640"/>
           </a:xfrm>
           <a:prstGeom prst="rect">
             <a:avLst/>
@@ -15969,7 +15519,7 @@
         <p:spPr>
           <a:xfrm>
             <a:off x="6553080" y="6356520"/>
-            <a:ext cx="2106720" cy="338040"/>
+            <a:ext cx="2106360" cy="337680"/>
           </a:xfrm>
           <a:prstGeom prst="rect">
             <a:avLst/>
@@ -16005,7 +15555,7 @@
               </a:lnSpc>
               <a:buNone/>
             </a:pPr>
-            <a:fld id="{061F3E2D-4149-48C3-95EF-AD34F17B811B}" type="slidenum">
+            <a:fld id="{39481E2D-2553-49BD-991B-C1D80E63D9EE}" type="slidenum">
               <a:rPr b="0" lang="en-US" sz="1200" spc="-1" strike="noStrike">
                 <a:solidFill>
                   <a:srgbClr val="8b8b8b"/>
@@ -16034,7 +15584,7 @@
         <p:spPr>
           <a:xfrm>
             <a:off x="1667160" y="2286000"/>
-            <a:ext cx="5648040" cy="2571480"/>
+            <a:ext cx="5647680" cy="2571120"/>
           </a:xfrm>
           <a:prstGeom prst="rect">
             <a:avLst/>
@@ -16060,7 +15610,7 @@
         <p:txBody>
           <a:bodyPr/>
           <a:p>
-            <a:fld id="{153ABCFA-DD2E-46A2-B1C1-516C692E7A1A}" type="datetime1">
+            <a:fld id="{FD53D915-1793-4019-A8CF-B56948127729}" type="datetime1">
               <a:rPr lang="en-US"/>
               <a:t>01/25/2024</a:t>
             </a:fld>
@@ -16110,7 +15660,7 @@
         <p:spPr>
           <a:xfrm>
             <a:off x="0" y="0"/>
-            <a:ext cx="9136080" cy="737640"/>
+            <a:ext cx="9135720" cy="737280"/>
           </a:xfrm>
           <a:prstGeom prst="rect">
             <a:avLst/>
@@ -16170,7 +15720,7 @@
         <p:spPr>
           <a:xfrm>
             <a:off x="232200" y="1302120"/>
-            <a:ext cx="8452440" cy="796680"/>
+            <a:ext cx="8452080" cy="796320"/>
           </a:xfrm>
           <a:prstGeom prst="rect">
             <a:avLst/>
@@ -16281,7 +15831,7 @@
         <p:spPr>
           <a:xfrm>
             <a:off x="2880" y="723600"/>
-            <a:ext cx="9133200" cy="333000"/>
+            <a:ext cx="9132840" cy="332640"/>
           </a:xfrm>
           <a:prstGeom prst="rect">
             <a:avLst/>
@@ -16347,7 +15897,7 @@
         <p:spPr>
           <a:xfrm>
             <a:off x="6553080" y="6356520"/>
-            <a:ext cx="2106720" cy="338040"/>
+            <a:ext cx="2106360" cy="337680"/>
           </a:xfrm>
           <a:prstGeom prst="rect">
             <a:avLst/>
@@ -16383,7 +15933,7 @@
               </a:lnSpc>
               <a:buNone/>
             </a:pPr>
-            <a:fld id="{AC4613C7-9227-420E-BFFC-82710FDE3C81}" type="slidenum">
+            <a:fld id="{7529A2E6-C06F-4602-86B5-BCD1694309C7}" type="slidenum">
               <a:rPr b="0" lang="en-US" sz="1200" spc="-1" strike="noStrike">
                 <a:solidFill>
                   <a:srgbClr val="8b8b8b"/>
@@ -16412,7 +15962,7 @@
         <p:spPr>
           <a:xfrm>
             <a:off x="228600" y="2252880"/>
-            <a:ext cx="7578720" cy="3233520"/>
+            <a:ext cx="7578360" cy="3233160"/>
           </a:xfrm>
           <a:prstGeom prst="rect">
             <a:avLst/>
@@ -16437,7 +15987,7 @@
         <p:spPr>
           <a:xfrm>
             <a:off x="3657600" y="3200400"/>
-            <a:ext cx="5112360" cy="3886200"/>
+            <a:ext cx="5112000" cy="3885840"/>
           </a:xfrm>
           <a:prstGeom prst="rect">
             <a:avLst/>
@@ -16463,7 +16013,7 @@
         <p:txBody>
           <a:bodyPr/>
           <a:p>
-            <a:fld id="{6E796CB0-83C0-416E-842B-6E3277A25FC2}" type="datetime1">
+            <a:fld id="{A1F8EDFA-6345-45E0-AD21-1BBAF4C8E84C}" type="datetime1">
               <a:rPr lang="en-US"/>
               <a:t>01/25/2024</a:t>
             </a:fld>
@@ -16513,7 +16063,7 @@
         <p:spPr>
           <a:xfrm>
             <a:off x="0" y="2130480"/>
-            <a:ext cx="9136800" cy="1442880"/>
+            <a:ext cx="9136440" cy="1442520"/>
           </a:xfrm>
           <a:prstGeom prst="rect">
             <a:avLst/>
@@ -16565,7 +16115,7 @@
         <p:spPr>
           <a:xfrm>
             <a:off x="4212000" y="3645000"/>
-            <a:ext cx="914760" cy="885960"/>
+            <a:ext cx="914400" cy="885600"/>
           </a:xfrm>
           <a:prstGeom prst="rect">
             <a:avLst/>
@@ -16589,7 +16139,7 @@
         <p:txBody>
           <a:bodyPr/>
           <a:p>
-            <a:fld id="{42563D6A-3850-4392-9C40-4C83771AD5F2}" type="slidenum">
+            <a:fld id="{577B6703-D2C1-4916-BC08-EED9775BA130}" type="slidenum">
               <a:t>33</a:t>
             </a:fld>
           </a:p>
@@ -16609,7 +16159,7 @@
         <p:txBody>
           <a:bodyPr/>
           <a:p>
-            <a:fld id="{B56FD7D9-F623-4A0E-9A1D-E31C1323125F}" type="datetime1">
+            <a:fld id="{F3880D87-89D6-4B06-8098-79DC5579D4C8}" type="datetime1">
               <a:rPr lang="en-US"/>
               <a:t>01/25/2024</a:t>
             </a:fld>
@@ -16659,7 +16209,7 @@
         <p:spPr>
           <a:xfrm>
             <a:off x="0" y="0"/>
-            <a:ext cx="9136080" cy="737640"/>
+            <a:ext cx="9135720" cy="737280"/>
           </a:xfrm>
           <a:prstGeom prst="rect">
             <a:avLst/>
@@ -16719,7 +16269,7 @@
         <p:spPr>
           <a:xfrm>
             <a:off x="232200" y="1302120"/>
-            <a:ext cx="8452440" cy="755280"/>
+            <a:ext cx="8452080" cy="754920"/>
           </a:xfrm>
           <a:prstGeom prst="rect">
             <a:avLst/>
@@ -16785,17 +16335,7 @@
                 <a:latin typeface="Calibri"/>
                 <a:ea typeface="DejaVu Sans"/>
               </a:rPr>
-              <a:t>1. Previously, we have 92%. </a:t>
-            </a:r>
-            <a:r>
-              <a:rPr b="0" lang="en-US" sz="1300" spc="-1" strike="noStrike">
-                <a:solidFill>
-                  <a:srgbClr val="000000"/>
-                </a:solidFill>
-                <a:latin typeface="Calibri"/>
-                <a:ea typeface="DejaVu Sans"/>
-              </a:rPr>
-              <a:t>We add hidden layer (relu) to improve accuracy to 97.64%. </a:t>
+              <a:t>1. Previously, we have 92%. We add hidden layer (relu) to improve accuracy to 97.64%. </a:t>
             </a:r>
             <a:endParaRPr b="0" lang="en-US" sz="1300" spc="-1" strike="noStrike">
               <a:latin typeface="Arial"/>
@@ -16830,18 +16370,14 @@
             </a:endParaRPr>
           </a:p>
           <a:p>
-            <a:pPr marL="465120" indent="-465120">
+            <a:pPr>
               <a:lnSpc>
                 <a:spcPct val="100000"/>
               </a:lnSpc>
               <a:spcBef>
                 <a:spcPts val="360"/>
               </a:spcBef>
-              <a:buClr>
-                <a:srgbClr val="0070c0"/>
-              </a:buClr>
-              <a:buFont typeface="Wingdings" charset="2"/>
-              <a:buChar char=""/>
+              <a:buNone/>
             </a:pPr>
             <a:endParaRPr b="0" lang="en-US" sz="1300" spc="-1" strike="noStrike">
               <a:latin typeface="Arial"/>
@@ -16858,7 +16394,7 @@
         <p:spPr>
           <a:xfrm>
             <a:off x="2880" y="723600"/>
-            <a:ext cx="9133200" cy="333000"/>
+            <a:ext cx="9132840" cy="332640"/>
           </a:xfrm>
           <a:prstGeom prst="rect">
             <a:avLst/>
@@ -16924,7 +16460,7 @@
         <p:spPr>
           <a:xfrm>
             <a:off x="6553080" y="6356520"/>
-            <a:ext cx="2106720" cy="338040"/>
+            <a:ext cx="2106360" cy="337680"/>
           </a:xfrm>
           <a:prstGeom prst="rect">
             <a:avLst/>
@@ -16960,7 +16496,7 @@
               </a:lnSpc>
               <a:buNone/>
             </a:pPr>
-            <a:fld id="{3CC600E2-A616-440D-AA96-A6AD0242DDFD}" type="slidenum">
+            <a:fld id="{117FA99F-B9FA-41E4-9650-76E4C1818EEE}" type="slidenum">
               <a:rPr b="0" lang="en-US" sz="1200" spc="-1" strike="noStrike">
                 <a:solidFill>
                   <a:srgbClr val="8b8b8b"/>
@@ -16989,7 +16525,7 @@
         <p:spPr>
           <a:xfrm>
             <a:off x="657720" y="2251440"/>
-            <a:ext cx="6886080" cy="4105080"/>
+            <a:ext cx="6885720" cy="4104720"/>
           </a:xfrm>
           <a:prstGeom prst="rect">
             <a:avLst/>
@@ -17015,7 +16551,7 @@
         <p:txBody>
           <a:bodyPr/>
           <a:p>
-            <a:fld id="{5DBE185F-3ED1-4D03-8228-801EEBD8CC72}" type="datetime1">
+            <a:fld id="{0739DDFC-6260-46F6-8275-63C9331ADF49}" type="datetime1">
               <a:rPr lang="en-US"/>
               <a:t>01/25/2024</a:t>
             </a:fld>
@@ -17065,7 +16601,7 @@
         <p:spPr>
           <a:xfrm>
             <a:off x="0" y="0"/>
-            <a:ext cx="9136080" cy="737640"/>
+            <a:ext cx="9135720" cy="737280"/>
           </a:xfrm>
           <a:prstGeom prst="rect">
             <a:avLst/>
@@ -17125,7 +16661,7 @@
         <p:spPr>
           <a:xfrm>
             <a:off x="232200" y="1302120"/>
-            <a:ext cx="8452440" cy="525240"/>
+            <a:ext cx="8452080" cy="524880"/>
           </a:xfrm>
           <a:prstGeom prst="rect">
             <a:avLst/>
@@ -17208,7 +16744,7 @@
         <p:spPr>
           <a:xfrm>
             <a:off x="2880" y="723600"/>
-            <a:ext cx="9133200" cy="333000"/>
+            <a:ext cx="9132840" cy="332640"/>
           </a:xfrm>
           <a:prstGeom prst="rect">
             <a:avLst/>
@@ -17274,7 +16810,7 @@
         <p:spPr>
           <a:xfrm>
             <a:off x="6553080" y="6356520"/>
-            <a:ext cx="2106720" cy="338040"/>
+            <a:ext cx="2106360" cy="337680"/>
           </a:xfrm>
           <a:prstGeom prst="rect">
             <a:avLst/>
@@ -17310,7 +16846,7 @@
               </a:lnSpc>
               <a:buNone/>
             </a:pPr>
-            <a:fld id="{D4B2BA63-4A1A-4724-BFAE-BF6BCD608F42}" type="slidenum">
+            <a:fld id="{3B8966AC-FA79-41C1-9117-C742770A1C68}" type="slidenum">
               <a:rPr b="0" lang="en-US" sz="1200" spc="-1" strike="noStrike">
                 <a:solidFill>
                   <a:srgbClr val="8b8b8b"/>
@@ -17339,7 +16875,7 @@
         <p:spPr>
           <a:xfrm>
             <a:off x="181440" y="1857600"/>
-            <a:ext cx="5762160" cy="2028600"/>
+            <a:ext cx="5761800" cy="2028240"/>
           </a:xfrm>
           <a:prstGeom prst="rect">
             <a:avLst/>
@@ -17364,7 +16900,7 @@
         <p:spPr>
           <a:xfrm>
             <a:off x="3850200" y="2743200"/>
-            <a:ext cx="5065200" cy="3714480"/>
+            <a:ext cx="5064840" cy="3714120"/>
           </a:xfrm>
           <a:prstGeom prst="rect">
             <a:avLst/>
@@ -17390,7 +16926,7 @@
         <p:txBody>
           <a:bodyPr/>
           <a:p>
-            <a:fld id="{2AAE0220-04C0-4404-88FC-5A7CB6D70A8B}" type="datetime1">
+            <a:fld id="{7EE76F52-E1A5-4CA7-B3A8-FBB5F9B8932E}" type="datetime1">
               <a:rPr lang="en-US"/>
               <a:t>01/25/2024</a:t>
             </a:fld>
@@ -17440,7 +16976,7 @@
         <p:spPr>
           <a:xfrm>
             <a:off x="0" y="0"/>
-            <a:ext cx="9136080" cy="737640"/>
+            <a:ext cx="9135720" cy="737280"/>
           </a:xfrm>
           <a:prstGeom prst="rect">
             <a:avLst/>
@@ -17500,7 +17036,7 @@
         <p:spPr>
           <a:xfrm>
             <a:off x="232200" y="1302120"/>
-            <a:ext cx="8452440" cy="983880"/>
+            <a:ext cx="8452080" cy="983520"/>
           </a:xfrm>
           <a:prstGeom prst="rect">
             <a:avLst/>
@@ -17639,7 +17175,7 @@
         <p:spPr>
           <a:xfrm>
             <a:off x="2880" y="723600"/>
-            <a:ext cx="9133200" cy="333000"/>
+            <a:ext cx="9132840" cy="332640"/>
           </a:xfrm>
           <a:prstGeom prst="rect">
             <a:avLst/>
@@ -17705,7 +17241,7 @@
         <p:spPr>
           <a:xfrm>
             <a:off x="6553080" y="6356520"/>
-            <a:ext cx="2106720" cy="338040"/>
+            <a:ext cx="2106360" cy="337680"/>
           </a:xfrm>
           <a:prstGeom prst="rect">
             <a:avLst/>
@@ -17741,7 +17277,7 @@
               </a:lnSpc>
               <a:buNone/>
             </a:pPr>
-            <a:fld id="{19877DA7-C63E-493D-8FDC-8D57877013FC}" type="slidenum">
+            <a:fld id="{2890ADE4-CE49-4A69-B843-1B21C7562B62}" type="slidenum">
               <a:rPr b="0" lang="en-US" sz="1200" spc="-1" strike="noStrike">
                 <a:solidFill>
                   <a:srgbClr val="8b8b8b"/>
@@ -17770,7 +17306,7 @@
         <p:spPr>
           <a:xfrm>
             <a:off x="685800" y="2514600"/>
-            <a:ext cx="6743520" cy="875880"/>
+            <a:ext cx="6743160" cy="875520"/>
           </a:xfrm>
           <a:prstGeom prst="rect">
             <a:avLst/>
@@ -17796,7 +17332,7 @@
         <p:txBody>
           <a:bodyPr/>
           <a:p>
-            <a:fld id="{8FA2C348-971B-4646-88FC-076DA5385F8A}" type="datetime1">
+            <a:fld id="{64B8048D-D55E-4F76-A50B-A96A9A8FFEF0}" type="datetime1">
               <a:rPr lang="en-US"/>
               <a:t>01/25/2024</a:t>
             </a:fld>
@@ -17846,7 +17382,7 @@
         <p:spPr>
           <a:xfrm>
             <a:off x="0" y="2130480"/>
-            <a:ext cx="9136800" cy="1442880"/>
+            <a:ext cx="9136440" cy="1442520"/>
           </a:xfrm>
           <a:prstGeom prst="rect">
             <a:avLst/>
@@ -17898,7 +17434,7 @@
         <p:spPr>
           <a:xfrm>
             <a:off x="4212000" y="3645000"/>
-            <a:ext cx="914760" cy="885960"/>
+            <a:ext cx="914400" cy="885600"/>
           </a:xfrm>
           <a:prstGeom prst="rect">
             <a:avLst/>
@@ -17922,7 +17458,7 @@
         <p:txBody>
           <a:bodyPr/>
           <a:p>
-            <a:fld id="{ABF97C9D-7CFA-40F1-A75F-E097FAC53532}" type="slidenum">
+            <a:fld id="{6F476834-AF03-45C5-9535-F85D33E9DFE7}" type="slidenum">
               <a:t>37</a:t>
             </a:fld>
           </a:p>
@@ -17942,7 +17478,7 @@
         <p:txBody>
           <a:bodyPr/>
           <a:p>
-            <a:fld id="{26732373-0E5D-450E-B4A8-7966DD636EDF}" type="datetime1">
+            <a:fld id="{5DE7CFF2-6220-480F-8F49-494EAC32AADC}" type="datetime1">
               <a:rPr lang="en-US"/>
               <a:t>01/25/2024</a:t>
             </a:fld>
@@ -17992,7 +17528,7 @@
         <p:spPr>
           <a:xfrm>
             <a:off x="0" y="0"/>
-            <a:ext cx="9136080" cy="737640"/>
+            <a:ext cx="9135720" cy="737280"/>
           </a:xfrm>
           <a:prstGeom prst="rect">
             <a:avLst/>
@@ -18052,7 +17588,7 @@
         <p:spPr>
           <a:xfrm>
             <a:off x="232200" y="1302120"/>
-            <a:ext cx="8452440" cy="525240"/>
+            <a:ext cx="8452080" cy="524880"/>
           </a:xfrm>
           <a:prstGeom prst="rect">
             <a:avLst/>
@@ -18135,7 +17671,7 @@
         <p:spPr>
           <a:xfrm>
             <a:off x="2880" y="723600"/>
-            <a:ext cx="9133200" cy="333000"/>
+            <a:ext cx="9132840" cy="332640"/>
           </a:xfrm>
           <a:prstGeom prst="rect">
             <a:avLst/>
@@ -18201,7 +17737,7 @@
         <p:spPr>
           <a:xfrm>
             <a:off x="6553080" y="6356520"/>
-            <a:ext cx="2106720" cy="338040"/>
+            <a:ext cx="2106360" cy="337680"/>
           </a:xfrm>
           <a:prstGeom prst="rect">
             <a:avLst/>
@@ -18237,7 +17773,7 @@
               </a:lnSpc>
               <a:buNone/>
             </a:pPr>
-            <a:fld id="{FFA6C9FB-8C62-4D52-986E-B47894CF39DA}" type="slidenum">
+            <a:fld id="{CBBAF70F-2F25-4682-9429-A6192EA20FB4}" type="slidenum">
               <a:rPr b="0" lang="en-US" sz="1200" spc="-1" strike="noStrike">
                 <a:solidFill>
                   <a:srgbClr val="8b8b8b"/>
@@ -18266,7 +17802,7 @@
         <p:spPr>
           <a:xfrm>
             <a:off x="295560" y="2057400"/>
-            <a:ext cx="6791040" cy="2390400"/>
+            <a:ext cx="6790680" cy="2390040"/>
           </a:xfrm>
           <a:prstGeom prst="rect">
             <a:avLst/>
@@ -18291,7 +17827,7 @@
         <p:spPr>
           <a:xfrm>
             <a:off x="3657600" y="4017600"/>
-            <a:ext cx="5238360" cy="2611800"/>
+            <a:ext cx="5238000" cy="2611440"/>
           </a:xfrm>
           <a:prstGeom prst="rect">
             <a:avLst/>
@@ -18317,7 +17853,7 @@
         <p:txBody>
           <a:bodyPr/>
           <a:p>
-            <a:fld id="{98FE3653-8DE9-41DE-8547-A6383A48B97C}" type="datetime1">
+            <a:fld id="{48430560-D7D4-4B43-B7CB-F182373A4A4F}" type="datetime1">
               <a:rPr lang="en-US"/>
               <a:t>01/25/2024</a:t>
             </a:fld>
@@ -18367,7 +17903,7 @@
         <p:spPr>
           <a:xfrm>
             <a:off x="0" y="0"/>
-            <a:ext cx="9136080" cy="737640"/>
+            <a:ext cx="9135720" cy="737280"/>
           </a:xfrm>
           <a:prstGeom prst="rect">
             <a:avLst/>
@@ -18427,7 +17963,7 @@
         <p:spPr>
           <a:xfrm>
             <a:off x="232200" y="1302120"/>
-            <a:ext cx="8452440" cy="525240"/>
+            <a:ext cx="8452080" cy="524880"/>
           </a:xfrm>
           <a:prstGeom prst="rect">
             <a:avLst/>
@@ -18510,7 +18046,7 @@
         <p:spPr>
           <a:xfrm>
             <a:off x="2880" y="723600"/>
-            <a:ext cx="9133200" cy="333000"/>
+            <a:ext cx="9132840" cy="332640"/>
           </a:xfrm>
           <a:prstGeom prst="rect">
             <a:avLst/>
@@ -18576,7 +18112,7 @@
         <p:spPr>
           <a:xfrm>
             <a:off x="6553080" y="6356520"/>
-            <a:ext cx="2106720" cy="338040"/>
+            <a:ext cx="2106360" cy="337680"/>
           </a:xfrm>
           <a:prstGeom prst="rect">
             <a:avLst/>
@@ -18612,7 +18148,7 @@
               </a:lnSpc>
               <a:buNone/>
             </a:pPr>
-            <a:fld id="{34E2CEA5-8703-424F-ABF0-34725BAF497B}" type="slidenum">
+            <a:fld id="{0B550952-677C-49DD-AD24-E58330E9B579}" type="slidenum">
               <a:rPr b="0" lang="en-US" sz="1200" spc="-1" strike="noStrike">
                 <a:solidFill>
                   <a:srgbClr val="8b8b8b"/>
@@ -18641,7 +18177,7 @@
         <p:spPr>
           <a:xfrm>
             <a:off x="685800" y="2057400"/>
-            <a:ext cx="6819480" cy="885600"/>
+            <a:ext cx="6819120" cy="885240"/>
           </a:xfrm>
           <a:prstGeom prst="rect">
             <a:avLst/>
@@ -18667,7 +18203,7 @@
         <p:txBody>
           <a:bodyPr/>
           <a:p>
-            <a:fld id="{D37F8AA6-FEA7-4E6D-B0BB-6ADBAEF19D13}" type="datetime1">
+            <a:fld id="{2C494D54-6131-499F-B67D-0D0B3A7D8683}" type="datetime1">
               <a:rPr lang="en-US"/>
               <a:t>01/25/2024</a:t>
             </a:fld>
@@ -18717,7 +18253,7 @@
         <p:spPr>
           <a:xfrm>
             <a:off x="0" y="0"/>
-            <a:ext cx="9136080" cy="737640"/>
+            <a:ext cx="9135720" cy="737280"/>
           </a:xfrm>
           <a:prstGeom prst="rect">
             <a:avLst/>
@@ -18777,7 +18313,7 @@
         <p:spPr>
           <a:xfrm>
             <a:off x="232200" y="1302120"/>
-            <a:ext cx="8449920" cy="981720"/>
+            <a:ext cx="8449560" cy="981360"/>
           </a:xfrm>
           <a:prstGeom prst="rect">
             <a:avLst/>
@@ -18888,7 +18424,7 @@
         <p:spPr>
           <a:xfrm>
             <a:off x="2880" y="723600"/>
-            <a:ext cx="9133200" cy="333000"/>
+            <a:ext cx="9132840" cy="332640"/>
           </a:xfrm>
           <a:prstGeom prst="rect">
             <a:avLst/>
@@ -18954,7 +18490,7 @@
         <p:spPr>
           <a:xfrm>
             <a:off x="6553080" y="6356520"/>
-            <a:ext cx="2106720" cy="338040"/>
+            <a:ext cx="2106360" cy="337680"/>
           </a:xfrm>
           <a:prstGeom prst="rect">
             <a:avLst/>
@@ -18990,7 +18526,7 @@
               </a:lnSpc>
               <a:buNone/>
             </a:pPr>
-            <a:fld id="{7CEFC478-00A5-4484-8F52-8B76F4F1F676}" type="slidenum">
+            <a:fld id="{2E88C786-7829-4F5D-9E7A-0F8B186E5D3C}" type="slidenum">
               <a:rPr b="0" lang="en-US" sz="1200" spc="-1" strike="noStrike">
                 <a:solidFill>
                   <a:srgbClr val="8b8b8b"/>
@@ -19019,7 +18555,7 @@
         <p:spPr>
           <a:xfrm>
             <a:off x="466920" y="2572200"/>
-            <a:ext cx="7989120" cy="3369240"/>
+            <a:ext cx="7988760" cy="3368880"/>
           </a:xfrm>
           <a:prstGeom prst="rect">
             <a:avLst/>
@@ -19045,7 +18581,7 @@
         <p:txBody>
           <a:bodyPr/>
           <a:p>
-            <a:fld id="{F0316488-7332-4DB2-9639-038027021B28}" type="datetime1">
+            <a:fld id="{2A70708B-A088-4E9A-B7F9-43EB59C26AC5}" type="datetime1">
               <a:rPr lang="en-US"/>
               <a:t>01/25/2024</a:t>
             </a:fld>
@@ -19095,7 +18631,7 @@
         <p:spPr>
           <a:xfrm>
             <a:off x="0" y="2130480"/>
-            <a:ext cx="9136800" cy="1442880"/>
+            <a:ext cx="9136440" cy="1442520"/>
           </a:xfrm>
           <a:prstGeom prst="rect">
             <a:avLst/>
@@ -19147,7 +18683,7 @@
         <p:spPr>
           <a:xfrm>
             <a:off x="4212000" y="3645000"/>
-            <a:ext cx="914760" cy="885960"/>
+            <a:ext cx="914400" cy="885600"/>
           </a:xfrm>
           <a:prstGeom prst="rect">
             <a:avLst/>
@@ -19171,7 +18707,7 @@
         <p:txBody>
           <a:bodyPr/>
           <a:p>
-            <a:fld id="{7900F911-9906-4FDE-BD40-D38A95169907}" type="slidenum">
+            <a:fld id="{CD07F3EC-E7C5-464B-B050-3C0D03F82CEC}" type="slidenum">
               <a:t>40</a:t>
             </a:fld>
           </a:p>
@@ -19191,7 +18727,7 @@
         <p:txBody>
           <a:bodyPr/>
           <a:p>
-            <a:fld id="{1289B26A-B323-4B0B-8CAB-8CC55E8522F7}" type="datetime1">
+            <a:fld id="{11E57C2A-8493-45D8-A4F7-6661D8709549}" type="datetime1">
               <a:rPr lang="en-US"/>
               <a:t>01/25/2024</a:t>
             </a:fld>
@@ -19241,7 +18777,7 @@
         <p:spPr>
           <a:xfrm>
             <a:off x="0" y="0"/>
-            <a:ext cx="9136080" cy="737640"/>
+            <a:ext cx="9135720" cy="737280"/>
           </a:xfrm>
           <a:prstGeom prst="rect">
             <a:avLst/>
@@ -19301,7 +18837,7 @@
         <p:spPr>
           <a:xfrm>
             <a:off x="232200" y="1302120"/>
-            <a:ext cx="8452440" cy="1212480"/>
+            <a:ext cx="8452080" cy="1212120"/>
           </a:xfrm>
           <a:prstGeom prst="rect">
             <a:avLst/>
@@ -19339,7 +18875,27 @@
                 <a:latin typeface="Calibri"/>
                 <a:ea typeface="DejaVu Sans"/>
               </a:rPr>
-              <a:t>Exercise (36:01-36:38/36:38)</a:t>
+              <a:t>Exercise </a:t>
+            </a:r>
+            <a:r>
+              <a:rPr b="1" lang="en-US" sz="1300" spc="-1" strike="noStrike">
+                <a:solidFill>
+                  <a:srgbClr val="000000"/>
+                </a:solidFill>
+                <a:latin typeface="Calibri"/>
+                <a:ea typeface="DejaVu Sans"/>
+              </a:rPr>
+              <a:t>(36:01-</a:t>
+            </a:r>
+            <a:r>
+              <a:rPr b="1" lang="en-US" sz="1300" spc="-1" strike="noStrike">
+                <a:solidFill>
+                  <a:srgbClr val="000000"/>
+                </a:solidFill>
+                <a:latin typeface="Calibri"/>
+                <a:ea typeface="DejaVu Sans"/>
+              </a:rPr>
+              <a:t>36:38/36:38)</a:t>
             </a:r>
             <a:endParaRPr b="0" lang="en-US" sz="1300" spc="-1" strike="noStrike">
               <a:latin typeface="Arial"/>
@@ -19395,7 +18951,17 @@
                 <a:latin typeface="Calibri"/>
                 <a:ea typeface="DejaVu Sans"/>
               </a:rPr>
-              <a:t>2. Add one more hidden layer.</a:t>
+              <a:t>2. Add one more </a:t>
+            </a:r>
+            <a:r>
+              <a:rPr b="0" lang="en-US" sz="1300" spc="-1" strike="noStrike">
+                <a:solidFill>
+                  <a:srgbClr val="000000"/>
+                </a:solidFill>
+                <a:latin typeface="Calibri"/>
+                <a:ea typeface="DejaVu Sans"/>
+              </a:rPr>
+              <a:t>hidden layer.</a:t>
             </a:r>
             <a:endParaRPr b="0" lang="en-US" sz="1300" spc="-1" strike="noStrike">
               <a:latin typeface="Arial"/>
@@ -19423,7 +18989,77 @@
                 <a:latin typeface="Calibri"/>
                 <a:ea typeface="DejaVu Sans"/>
               </a:rPr>
-              <a:t>3. Try different parameters number (Try and error): This the data scientist job to trial and error with any parameters.</a:t>
+              <a:t>3. Try different </a:t>
+            </a:r>
+            <a:r>
+              <a:rPr b="0" lang="en-US" sz="1300" spc="-1" strike="noStrike">
+                <a:solidFill>
+                  <a:srgbClr val="000000"/>
+                </a:solidFill>
+                <a:latin typeface="Calibri"/>
+                <a:ea typeface="DejaVu Sans"/>
+              </a:rPr>
+              <a:t>parameters </a:t>
+            </a:r>
+            <a:r>
+              <a:rPr b="0" lang="en-US" sz="1300" spc="-1" strike="noStrike">
+                <a:solidFill>
+                  <a:srgbClr val="000000"/>
+                </a:solidFill>
+                <a:latin typeface="Calibri"/>
+                <a:ea typeface="DejaVu Sans"/>
+              </a:rPr>
+              <a:t>number (Try and </a:t>
+            </a:r>
+            <a:r>
+              <a:rPr b="0" lang="en-US" sz="1300" spc="-1" strike="noStrike">
+                <a:solidFill>
+                  <a:srgbClr val="000000"/>
+                </a:solidFill>
+                <a:latin typeface="Calibri"/>
+                <a:ea typeface="DejaVu Sans"/>
+              </a:rPr>
+              <a:t>error): This the </a:t>
+            </a:r>
+            <a:r>
+              <a:rPr b="0" lang="en-US" sz="1300" spc="-1" strike="noStrike">
+                <a:solidFill>
+                  <a:srgbClr val="000000"/>
+                </a:solidFill>
+                <a:latin typeface="Calibri"/>
+                <a:ea typeface="DejaVu Sans"/>
+              </a:rPr>
+              <a:t>data scientist job </a:t>
+            </a:r>
+            <a:r>
+              <a:rPr b="0" lang="en-US" sz="1300" spc="-1" strike="noStrike">
+                <a:solidFill>
+                  <a:srgbClr val="000000"/>
+                </a:solidFill>
+                <a:latin typeface="Calibri"/>
+                <a:ea typeface="DejaVu Sans"/>
+              </a:rPr>
+              <a:t>to trial and error </a:t>
+            </a:r>
+            <a:r>
+              <a:rPr b="0" lang="en-US" sz="1300" spc="-1" strike="noStrike">
+                <a:solidFill>
+                  <a:srgbClr val="000000"/>
+                </a:solidFill>
+                <a:latin typeface="Calibri"/>
+                <a:ea typeface="DejaVu Sans"/>
+              </a:rPr>
+              <a:t>with any </a:t>
+            </a:r>
+            <a:r>
+              <a:rPr b="0" lang="en-US" sz="1300" spc="-1" strike="noStrike">
+                <a:solidFill>
+                  <a:srgbClr val="000000"/>
+                </a:solidFill>
+                <a:latin typeface="Calibri"/>
+                <a:ea typeface="DejaVu Sans"/>
+              </a:rPr>
+              <a:t>parameters.</a:t>
             </a:r>
             <a:endParaRPr b="0" lang="en-US" sz="1300" spc="-1" strike="noStrike">
               <a:latin typeface="Arial"/>
@@ -19440,7 +19076,7 @@
         <p:spPr>
           <a:xfrm>
             <a:off x="2880" y="723600"/>
-            <a:ext cx="9133200" cy="333000"/>
+            <a:ext cx="9132840" cy="332640"/>
           </a:xfrm>
           <a:prstGeom prst="rect">
             <a:avLst/>
@@ -19506,7 +19142,7 @@
         <p:spPr>
           <a:xfrm>
             <a:off x="6553080" y="6356520"/>
-            <a:ext cx="2106720" cy="338040"/>
+            <a:ext cx="2106360" cy="337680"/>
           </a:xfrm>
           <a:prstGeom prst="rect">
             <a:avLst/>
@@ -19542,7 +19178,7 @@
               </a:lnSpc>
               <a:buNone/>
             </a:pPr>
-            <a:fld id="{CD54928E-0496-4578-84B2-4F4F3D9102C4}" type="slidenum">
+            <a:fld id="{17888963-F13E-419D-85F5-2C25D4B98477}" type="slidenum">
               <a:rPr b="0" lang="en-US" sz="1200" spc="-1" strike="noStrike">
                 <a:solidFill>
                   <a:srgbClr val="8b8b8b"/>
@@ -19572,7 +19208,7 @@
         <p:txBody>
           <a:bodyPr/>
           <a:p>
-            <a:fld id="{BF4B7A37-B8E8-4ADE-A22E-57A3A80D4F86}" type="datetime1">
+            <a:fld id="{E82A64F7-696E-4B3A-B5F5-E33D0C34FAB2}" type="datetime1">
               <a:rPr lang="en-US"/>
               <a:t>01/25/2024</a:t>
             </a:fld>
@@ -19622,7 +19258,7 @@
         <p:spPr>
           <a:xfrm>
             <a:off x="0" y="2130480"/>
-            <a:ext cx="9117000" cy="1442880"/>
+            <a:ext cx="9116640" cy="1442520"/>
           </a:xfrm>
           <a:prstGeom prst="rect">
             <a:avLst/>
@@ -19683,7 +19319,7 @@
         <p:txBody>
           <a:bodyPr/>
           <a:p>
-            <a:fld id="{45AD7EC9-C2C5-47B2-A24C-6A3EA1F4D37E}" type="slidenum">
+            <a:fld id="{8A870541-5C02-4496-8F22-78DBCF12BE6B}" type="slidenum">
               <a:t>42</a:t>
             </a:fld>
           </a:p>
@@ -19703,7 +19339,7 @@
         <p:txBody>
           <a:bodyPr/>
           <a:p>
-            <a:fld id="{923D138A-2EE1-4BD5-89CA-AE18FC9A530B}" type="datetime1">
+            <a:fld id="{0B6AB6EB-8B6C-4026-8AA9-7DC3B9E89A26}" type="datetime1">
               <a:rPr lang="en-US"/>
               <a:t>01/25/2024</a:t>
             </a:fld>
@@ -19753,7 +19389,7 @@
         <p:spPr>
           <a:xfrm>
             <a:off x="0" y="0"/>
-            <a:ext cx="9136080" cy="737640"/>
+            <a:ext cx="9135720" cy="737280"/>
           </a:xfrm>
           <a:prstGeom prst="rect">
             <a:avLst/>
@@ -19813,7 +19449,7 @@
         <p:spPr>
           <a:xfrm>
             <a:off x="232200" y="1302120"/>
-            <a:ext cx="8449920" cy="524520"/>
+            <a:ext cx="8449560" cy="524160"/>
           </a:xfrm>
           <a:prstGeom prst="rect">
             <a:avLst/>
@@ -19896,7 +19532,7 @@
         <p:spPr>
           <a:xfrm>
             <a:off x="2880" y="723600"/>
-            <a:ext cx="9133200" cy="333000"/>
+            <a:ext cx="9132840" cy="332640"/>
           </a:xfrm>
           <a:prstGeom prst="rect">
             <a:avLst/>
@@ -19962,7 +19598,7 @@
         <p:spPr>
           <a:xfrm>
             <a:off x="6553080" y="6356520"/>
-            <a:ext cx="2106720" cy="338040"/>
+            <a:ext cx="2106360" cy="337680"/>
           </a:xfrm>
           <a:prstGeom prst="rect">
             <a:avLst/>
@@ -19998,7 +19634,7 @@
               </a:lnSpc>
               <a:buNone/>
             </a:pPr>
-            <a:fld id="{52BCD9DB-FC16-44E4-9716-27EC2E8B42BB}" type="slidenum">
+            <a:fld id="{26B86DFD-0696-49BE-99C2-856AF8FCCC07}" type="slidenum">
               <a:rPr b="0" lang="en-US" sz="1200" spc="-1" strike="noStrike">
                 <a:solidFill>
                   <a:srgbClr val="8b8b8b"/>
@@ -20027,7 +19663,7 @@
         <p:spPr>
           <a:xfrm>
             <a:off x="1600200" y="2057400"/>
-            <a:ext cx="5712840" cy="4084560"/>
+            <a:ext cx="5712480" cy="4084200"/>
           </a:xfrm>
           <a:prstGeom prst="rect">
             <a:avLst/>
@@ -20053,7 +19689,7 @@
         <p:txBody>
           <a:bodyPr/>
           <a:p>
-            <a:fld id="{2594FA15-7389-4C75-A7D5-B00521313B9D}" type="datetime1">
+            <a:fld id="{9BE4B037-C683-4170-95E4-F0E76CB4FCD8}" type="datetime1">
               <a:rPr lang="en-US"/>
               <a:t>01/25/2024</a:t>
             </a:fld>
@@ -20103,7 +19739,7 @@
         <p:spPr>
           <a:xfrm>
             <a:off x="0" y="0"/>
-            <a:ext cx="9136080" cy="737640"/>
+            <a:ext cx="9135720" cy="737280"/>
           </a:xfrm>
           <a:prstGeom prst="rect">
             <a:avLst/>
@@ -20163,7 +19799,7 @@
         <p:spPr>
           <a:xfrm>
             <a:off x="232200" y="1302120"/>
-            <a:ext cx="8449920" cy="524520"/>
+            <a:ext cx="8449560" cy="524160"/>
           </a:xfrm>
           <a:prstGeom prst="rect">
             <a:avLst/>
@@ -20274,7 +19910,7 @@
         <p:spPr>
           <a:xfrm>
             <a:off x="2880" y="723600"/>
-            <a:ext cx="9133200" cy="333000"/>
+            <a:ext cx="9132840" cy="332640"/>
           </a:xfrm>
           <a:prstGeom prst="rect">
             <a:avLst/>
@@ -20340,7 +19976,7 @@
         <p:spPr>
           <a:xfrm>
             <a:off x="6553080" y="6356520"/>
-            <a:ext cx="2106720" cy="338040"/>
+            <a:ext cx="2106360" cy="337680"/>
           </a:xfrm>
           <a:prstGeom prst="rect">
             <a:avLst/>
@@ -20376,7 +20012,7 @@
               </a:lnSpc>
               <a:buNone/>
             </a:pPr>
-            <a:fld id="{6E6A8298-36C8-434C-A0FC-E3D6DDA9BB5B}" type="slidenum">
+            <a:fld id="{F536648A-92ED-4FED-9A66-4EAA1DAA98EC}" type="slidenum">
               <a:rPr b="0" lang="en-US" sz="1200" spc="-1" strike="noStrike">
                 <a:solidFill>
                   <a:srgbClr val="8b8b8b"/>
@@ -20405,7 +20041,7 @@
         <p:spPr>
           <a:xfrm>
             <a:off x="1600200" y="2811240"/>
-            <a:ext cx="6170040" cy="3358800"/>
+            <a:ext cx="6169680" cy="3358440"/>
           </a:xfrm>
           <a:prstGeom prst="rect">
             <a:avLst/>
@@ -20431,7 +20067,7 @@
         <p:txBody>
           <a:bodyPr/>
           <a:p>
-            <a:fld id="{21A449EC-3FB8-45B5-8887-54BB468C13B5}" type="datetime1">
+            <a:fld id="{4DAB3658-29DE-47B2-B2D9-4F7556027874}" type="datetime1">
               <a:rPr lang="en-US"/>
               <a:t>01/25/2024</a:t>
             </a:fld>
@@ -20481,7 +20117,7 @@
         <p:spPr>
           <a:xfrm>
             <a:off x="0" y="0"/>
-            <a:ext cx="9136080" cy="737640"/>
+            <a:ext cx="9135720" cy="737280"/>
           </a:xfrm>
           <a:prstGeom prst="rect">
             <a:avLst/>
@@ -20541,7 +20177,7 @@
         <p:spPr>
           <a:xfrm>
             <a:off x="232200" y="1302120"/>
-            <a:ext cx="8449920" cy="524520"/>
+            <a:ext cx="8449560" cy="524160"/>
           </a:xfrm>
           <a:prstGeom prst="rect">
             <a:avLst/>
@@ -20624,7 +20260,7 @@
         <p:spPr>
           <a:xfrm>
             <a:off x="2880" y="723600"/>
-            <a:ext cx="9133200" cy="333000"/>
+            <a:ext cx="9132840" cy="332640"/>
           </a:xfrm>
           <a:prstGeom prst="rect">
             <a:avLst/>
@@ -20690,7 +20326,7 @@
         <p:spPr>
           <a:xfrm>
             <a:off x="6553080" y="6356520"/>
-            <a:ext cx="2106720" cy="338040"/>
+            <a:ext cx="2106360" cy="337680"/>
           </a:xfrm>
           <a:prstGeom prst="rect">
             <a:avLst/>
@@ -20726,7 +20362,7 @@
               </a:lnSpc>
               <a:buNone/>
             </a:pPr>
-            <a:fld id="{DBA85747-E23A-44C6-BC1C-AB4367DC4C7D}" type="slidenum">
+            <a:fld id="{9E0D7127-F8FC-450E-90AD-26A0F3E7B714}" type="slidenum">
               <a:rPr b="0" lang="en-US" sz="1200" spc="-1" strike="noStrike">
                 <a:solidFill>
                   <a:srgbClr val="8b8b8b"/>
@@ -20754,8 +20390,8 @@
         </p:blipFill>
         <p:spPr>
           <a:xfrm>
-            <a:off x="1371600" y="2838960"/>
-            <a:ext cx="6207840" cy="3331080"/>
+            <a:off x="1371600" y="2384280"/>
+            <a:ext cx="6207480" cy="3330720"/>
           </a:xfrm>
           <a:prstGeom prst="rect">
             <a:avLst/>
@@ -20781,7 +20417,7 @@
         <p:txBody>
           <a:bodyPr/>
           <a:p>
-            <a:fld id="{E00CA3FA-6937-401B-9D04-7EDA70AE78BC}" type="datetime1">
+            <a:fld id="{B6178CC9-56D7-477C-B73A-155E4F62CEDE}" type="datetime1">
               <a:rPr lang="en-US"/>
               <a:t>01/25/2024</a:t>
             </a:fld>
@@ -20831,7 +20467,7 @@
         <p:spPr>
           <a:xfrm>
             <a:off x="0" y="0"/>
-            <a:ext cx="9136080" cy="737640"/>
+            <a:ext cx="9135720" cy="737280"/>
           </a:xfrm>
           <a:prstGeom prst="rect">
             <a:avLst/>
@@ -20891,7 +20527,7 @@
         <p:spPr>
           <a:xfrm>
             <a:off x="232200" y="1302120"/>
-            <a:ext cx="8449920" cy="524520"/>
+            <a:ext cx="8449560" cy="524160"/>
           </a:xfrm>
           <a:prstGeom prst="rect">
             <a:avLst/>
@@ -20974,7 +20610,7 @@
         <p:spPr>
           <a:xfrm>
             <a:off x="2880" y="723600"/>
-            <a:ext cx="9133200" cy="333000"/>
+            <a:ext cx="9132840" cy="332640"/>
           </a:xfrm>
           <a:prstGeom prst="rect">
             <a:avLst/>
@@ -21040,7 +20676,7 @@
         <p:spPr>
           <a:xfrm>
             <a:off x="6553080" y="6356520"/>
-            <a:ext cx="2106720" cy="338040"/>
+            <a:ext cx="2106360" cy="337680"/>
           </a:xfrm>
           <a:prstGeom prst="rect">
             <a:avLst/>
@@ -21076,7 +20712,7 @@
               </a:lnSpc>
               <a:buNone/>
             </a:pPr>
-            <a:fld id="{FE800FFF-6586-4521-BF34-62889408CE6B}" type="slidenum">
+            <a:fld id="{140BB23A-ADDA-4030-9127-0FC46321F36D}" type="slidenum">
               <a:rPr b="0" lang="en-US" sz="1200" spc="-1" strike="noStrike">
                 <a:solidFill>
                   <a:srgbClr val="8b8b8b"/>
@@ -21105,7 +20741,7 @@
         <p:spPr>
           <a:xfrm>
             <a:off x="1828800" y="1895760"/>
-            <a:ext cx="4121640" cy="4274280"/>
+            <a:ext cx="4121280" cy="4273920"/>
           </a:xfrm>
           <a:prstGeom prst="rect">
             <a:avLst/>
@@ -21131,7 +20767,7 @@
         <p:txBody>
           <a:bodyPr/>
           <a:p>
-            <a:fld id="{D09F30F5-1345-49B3-BDA2-0EEE6B6DE259}" type="datetime1">
+            <a:fld id="{893051C4-A5A7-40C3-98F3-104D7AA98660}" type="datetime1">
               <a:rPr lang="en-US"/>
               <a:t>01/25/2024</a:t>
             </a:fld>
@@ -21181,7 +20817,7 @@
         <p:spPr>
           <a:xfrm>
             <a:off x="0" y="0"/>
-            <a:ext cx="9136080" cy="737640"/>
+            <a:ext cx="9135720" cy="737280"/>
           </a:xfrm>
           <a:prstGeom prst="rect">
             <a:avLst/>
@@ -21241,7 +20877,7 @@
         <p:spPr>
           <a:xfrm>
             <a:off x="232200" y="1302120"/>
-            <a:ext cx="8449920" cy="524520"/>
+            <a:ext cx="8449560" cy="524160"/>
           </a:xfrm>
           <a:prstGeom prst="rect">
             <a:avLst/>
@@ -21324,7 +20960,7 @@
         <p:spPr>
           <a:xfrm>
             <a:off x="2880" y="723600"/>
-            <a:ext cx="9133200" cy="333000"/>
+            <a:ext cx="9132840" cy="332640"/>
           </a:xfrm>
           <a:prstGeom prst="rect">
             <a:avLst/>
@@ -21390,7 +21026,7 @@
         <p:spPr>
           <a:xfrm>
             <a:off x="6553080" y="6356520"/>
-            <a:ext cx="2106720" cy="338040"/>
+            <a:ext cx="2106360" cy="337680"/>
           </a:xfrm>
           <a:prstGeom prst="rect">
             <a:avLst/>
@@ -21426,7 +21062,7 @@
               </a:lnSpc>
               <a:buNone/>
             </a:pPr>
-            <a:fld id="{B436224A-0F5C-4BA3-9DA6-8C51A2669B1B}" type="slidenum">
+            <a:fld id="{884B6B8D-DC49-4171-A0C3-859A20CE9997}" type="slidenum">
               <a:rPr b="0" lang="en-US" sz="1200" spc="-1" strike="noStrike">
                 <a:solidFill>
                   <a:srgbClr val="8b8b8b"/>
@@ -21455,7 +21091,7 @@
         <p:spPr>
           <a:xfrm>
             <a:off x="2048400" y="2257920"/>
-            <a:ext cx="4807440" cy="4140720"/>
+            <a:ext cx="4807080" cy="4140360"/>
           </a:xfrm>
           <a:prstGeom prst="rect">
             <a:avLst/>
@@ -21481,7 +21117,7 @@
         <p:txBody>
           <a:bodyPr/>
           <a:p>
-            <a:fld id="{B2174AE9-7A64-4DCF-B601-E8409661ABB5}" type="datetime1">
+            <a:fld id="{94338F0A-9DA1-4D61-902D-82DA16D36083}" type="datetime1">
               <a:rPr lang="en-US"/>
               <a:t>01/25/2024</a:t>
             </a:fld>
